--- a/revised-ppts/Day 14 PPT.pptx
+++ b/revised-ppts/Day 14 PPT.pptx
@@ -389,6 +389,682 @@
 
 <file path=ppt/changesInfos/changesInfo1.xml><?xml version="1.0" encoding="utf-8"?>
 <pc:chgInfo xmlns:a="http://schemas.openxmlformats.org/drawingml/2006/main" xmlns:r="http://schemas.openxmlformats.org/officeDocument/2006/relationships" xmlns:ac="http://schemas.microsoft.com/office/drawing/2013/main/command" xmlns:pc="http://schemas.microsoft.com/office/powerpoint/2013/main/command">
+  <pc:docChgLst>
+    <pc:chgData name="Cynthia Enciso" userId="7915927f-c5cf-4e1f-876d-e79882ad52fa" providerId="ADAL" clId="{ED60EBD3-90AC-49DF-9FC1-4EEE9F91A7A4}"/>
+    <pc:docChg chg="undo redo custSel addSld delSld modSld">
+      <pc:chgData name="Cynthia Enciso" userId="7915927f-c5cf-4e1f-876d-e79882ad52fa" providerId="ADAL" clId="{ED60EBD3-90AC-49DF-9FC1-4EEE9F91A7A4}" dt="2021-05-11T21:22:14.441" v="803" actId="20577"/>
+      <pc:docMkLst>
+        <pc:docMk/>
+      </pc:docMkLst>
+      <pc:sldChg chg="addSp delSp modSp mod">
+        <pc:chgData name="Cynthia Enciso" userId="7915927f-c5cf-4e1f-876d-e79882ad52fa" providerId="ADAL" clId="{ED60EBD3-90AC-49DF-9FC1-4EEE9F91A7A4}" dt="2021-05-11T21:15:41.825" v="799" actId="478"/>
+        <pc:sldMkLst>
+          <pc:docMk/>
+          <pc:sldMk cId="0" sldId="257"/>
+        </pc:sldMkLst>
+        <pc:spChg chg="add del mod">
+          <ac:chgData name="Cynthia Enciso" userId="7915927f-c5cf-4e1f-876d-e79882ad52fa" providerId="ADAL" clId="{ED60EBD3-90AC-49DF-9FC1-4EEE9F91A7A4}" dt="2021-05-11T21:15:41.825" v="799" actId="478"/>
+          <ac:spMkLst>
+            <pc:docMk/>
+            <pc:sldMk cId="0" sldId="257"/>
+            <ac:spMk id="2" creationId="{61F721CD-1E39-4ABA-BF97-A494BA22AA33}"/>
+          </ac:spMkLst>
+        </pc:spChg>
+      </pc:sldChg>
+      <pc:sldChg chg="modSp mod">
+        <pc:chgData name="Cynthia Enciso" userId="7915927f-c5cf-4e1f-876d-e79882ad52fa" providerId="ADAL" clId="{ED60EBD3-90AC-49DF-9FC1-4EEE9F91A7A4}" dt="2021-05-11T14:33:13.540" v="492" actId="14100"/>
+        <pc:sldMkLst>
+          <pc:docMk/>
+          <pc:sldMk cId="0" sldId="258"/>
+        </pc:sldMkLst>
+        <pc:spChg chg="mod">
+          <ac:chgData name="Cynthia Enciso" userId="7915927f-c5cf-4e1f-876d-e79882ad52fa" providerId="ADAL" clId="{ED60EBD3-90AC-49DF-9FC1-4EEE9F91A7A4}" dt="2021-05-11T14:33:13.540" v="492" actId="14100"/>
+          <ac:spMkLst>
+            <pc:docMk/>
+            <pc:sldMk cId="0" sldId="258"/>
+            <ac:spMk id="226" creationId="{00000000-0000-0000-0000-000000000000}"/>
+          </ac:spMkLst>
+        </pc:spChg>
+      </pc:sldChg>
+      <pc:sldChg chg="addSp modSp mod">
+        <pc:chgData name="Cynthia Enciso" userId="7915927f-c5cf-4e1f-876d-e79882ad52fa" providerId="ADAL" clId="{ED60EBD3-90AC-49DF-9FC1-4EEE9F91A7A4}" dt="2021-05-11T15:27:37.610" v="653" actId="14100"/>
+        <pc:sldMkLst>
+          <pc:docMk/>
+          <pc:sldMk cId="0" sldId="259"/>
+        </pc:sldMkLst>
+        <pc:spChg chg="add mod">
+          <ac:chgData name="Cynthia Enciso" userId="7915927f-c5cf-4e1f-876d-e79882ad52fa" providerId="ADAL" clId="{ED60EBD3-90AC-49DF-9FC1-4EEE9F91A7A4}" dt="2021-05-11T15:27:37.610" v="653" actId="14100"/>
+          <ac:spMkLst>
+            <pc:docMk/>
+            <pc:sldMk cId="0" sldId="259"/>
+            <ac:spMk id="5" creationId="{EC29FA11-EBC8-4E68-A3F5-10B28AAD6865}"/>
+          </ac:spMkLst>
+        </pc:spChg>
+      </pc:sldChg>
+      <pc:sldChg chg="del">
+        <pc:chgData name="Cynthia Enciso" userId="7915927f-c5cf-4e1f-876d-e79882ad52fa" providerId="ADAL" clId="{ED60EBD3-90AC-49DF-9FC1-4EEE9F91A7A4}" dt="2021-05-11T17:05:22.002" v="654" actId="47"/>
+        <pc:sldMkLst>
+          <pc:docMk/>
+          <pc:sldMk cId="0" sldId="264"/>
+        </pc:sldMkLst>
+      </pc:sldChg>
+      <pc:sldChg chg="modSp mod">
+        <pc:chgData name="Cynthia Enciso" userId="7915927f-c5cf-4e1f-876d-e79882ad52fa" providerId="ADAL" clId="{ED60EBD3-90AC-49DF-9FC1-4EEE9F91A7A4}" dt="2021-05-11T17:20:41.685" v="775" actId="14100"/>
+        <pc:sldMkLst>
+          <pc:docMk/>
+          <pc:sldMk cId="0" sldId="266"/>
+        </pc:sldMkLst>
+        <pc:spChg chg="mod">
+          <ac:chgData name="Cynthia Enciso" userId="7915927f-c5cf-4e1f-876d-e79882ad52fa" providerId="ADAL" clId="{ED60EBD3-90AC-49DF-9FC1-4EEE9F91A7A4}" dt="2021-05-11T17:20:41.685" v="775" actId="14100"/>
+          <ac:spMkLst>
+            <pc:docMk/>
+            <pc:sldMk cId="0" sldId="266"/>
+            <ac:spMk id="3" creationId="{B191859A-9A4C-4DDF-89BD-47134E6C4842}"/>
+          </ac:spMkLst>
+        </pc:spChg>
+      </pc:sldChg>
+      <pc:sldChg chg="modSp mod">
+        <pc:chgData name="Cynthia Enciso" userId="7915927f-c5cf-4e1f-876d-e79882ad52fa" providerId="ADAL" clId="{ED60EBD3-90AC-49DF-9FC1-4EEE9F91A7A4}" dt="2021-05-11T17:12:57.940" v="773" actId="20577"/>
+        <pc:sldMkLst>
+          <pc:docMk/>
+          <pc:sldMk cId="2546056288" sldId="274"/>
+        </pc:sldMkLst>
+        <pc:spChg chg="mod">
+          <ac:chgData name="Cynthia Enciso" userId="7915927f-c5cf-4e1f-876d-e79882ad52fa" providerId="ADAL" clId="{ED60EBD3-90AC-49DF-9FC1-4EEE9F91A7A4}" dt="2021-05-11T17:12:57.940" v="773" actId="20577"/>
+          <ac:spMkLst>
+            <pc:docMk/>
+            <pc:sldMk cId="2546056288" sldId="274"/>
+            <ac:spMk id="9" creationId="{8DCC4198-E08D-4604-B165-0E6553F9902B}"/>
+          </ac:spMkLst>
+        </pc:spChg>
+      </pc:sldChg>
+      <pc:sldChg chg="addSp delSp modSp new mod">
+        <pc:chgData name="Cynthia Enciso" userId="7915927f-c5cf-4e1f-876d-e79882ad52fa" providerId="ADAL" clId="{ED60EBD3-90AC-49DF-9FC1-4EEE9F91A7A4}" dt="2021-05-11T14:31:19.088" v="416" actId="1076"/>
+        <pc:sldMkLst>
+          <pc:docMk/>
+          <pc:sldMk cId="111416777" sldId="278"/>
+        </pc:sldMkLst>
+        <pc:spChg chg="del">
+          <ac:chgData name="Cynthia Enciso" userId="7915927f-c5cf-4e1f-876d-e79882ad52fa" providerId="ADAL" clId="{ED60EBD3-90AC-49DF-9FC1-4EEE9F91A7A4}" dt="2021-05-11T14:08:07.417" v="1" actId="478"/>
+          <ac:spMkLst>
+            <pc:docMk/>
+            <pc:sldMk cId="111416777" sldId="278"/>
+            <ac:spMk id="3" creationId="{A1D32090-8B52-4D3C-AEAB-B83F39FD2F0A}"/>
+          </ac:spMkLst>
+        </pc:spChg>
+        <pc:spChg chg="add mod">
+          <ac:chgData name="Cynthia Enciso" userId="7915927f-c5cf-4e1f-876d-e79882ad52fa" providerId="ADAL" clId="{ED60EBD3-90AC-49DF-9FC1-4EEE9F91A7A4}" dt="2021-05-11T14:08:13.696" v="3" actId="13822"/>
+          <ac:spMkLst>
+            <pc:docMk/>
+            <pc:sldMk cId="111416777" sldId="278"/>
+            <ac:spMk id="5" creationId="{F2A760AB-011A-4307-95B1-956C56F2E5C9}"/>
+          </ac:spMkLst>
+        </pc:spChg>
+        <pc:spChg chg="add mod">
+          <ac:chgData name="Cynthia Enciso" userId="7915927f-c5cf-4e1f-876d-e79882ad52fa" providerId="ADAL" clId="{ED60EBD3-90AC-49DF-9FC1-4EEE9F91A7A4}" dt="2021-05-11T14:08:23.688" v="9" actId="1076"/>
+          <ac:spMkLst>
+            <pc:docMk/>
+            <pc:sldMk cId="111416777" sldId="278"/>
+            <ac:spMk id="6" creationId="{6CC213E8-A3E0-45A2-B971-6D3F9624E54E}"/>
+          </ac:spMkLst>
+        </pc:spChg>
+        <pc:spChg chg="add mod">
+          <ac:chgData name="Cynthia Enciso" userId="7915927f-c5cf-4e1f-876d-e79882ad52fa" providerId="ADAL" clId="{ED60EBD3-90AC-49DF-9FC1-4EEE9F91A7A4}" dt="2021-05-11T14:08:30.776" v="13" actId="1076"/>
+          <ac:spMkLst>
+            <pc:docMk/>
+            <pc:sldMk cId="111416777" sldId="278"/>
+            <ac:spMk id="7" creationId="{FEFE4E76-5193-4E48-B4AF-545C0F6EE91C}"/>
+          </ac:spMkLst>
+        </pc:spChg>
+        <pc:spChg chg="add mod">
+          <ac:chgData name="Cynthia Enciso" userId="7915927f-c5cf-4e1f-876d-e79882ad52fa" providerId="ADAL" clId="{ED60EBD3-90AC-49DF-9FC1-4EEE9F91A7A4}" dt="2021-05-11T14:08:40.744" v="28" actId="20577"/>
+          <ac:spMkLst>
+            <pc:docMk/>
+            <pc:sldMk cId="111416777" sldId="278"/>
+            <ac:spMk id="8" creationId="{77F69B0E-E074-4738-B1C3-FA69DEC60116}"/>
+          </ac:spMkLst>
+        </pc:spChg>
+        <pc:spChg chg="add mod">
+          <ac:chgData name="Cynthia Enciso" userId="7915927f-c5cf-4e1f-876d-e79882ad52fa" providerId="ADAL" clId="{ED60EBD3-90AC-49DF-9FC1-4EEE9F91A7A4}" dt="2021-05-11T14:09:47.033" v="103" actId="20577"/>
+          <ac:spMkLst>
+            <pc:docMk/>
+            <pc:sldMk cId="111416777" sldId="278"/>
+            <ac:spMk id="9" creationId="{9BFA40FE-DAE1-41DC-82C6-94BCBAC4F8B7}"/>
+          </ac:spMkLst>
+        </pc:spChg>
+        <pc:spChg chg="add mod">
+          <ac:chgData name="Cynthia Enciso" userId="7915927f-c5cf-4e1f-876d-e79882ad52fa" providerId="ADAL" clId="{ED60EBD3-90AC-49DF-9FC1-4EEE9F91A7A4}" dt="2021-05-11T14:09:06.554" v="58" actId="14100"/>
+          <ac:spMkLst>
+            <pc:docMk/>
+            <pc:sldMk cId="111416777" sldId="278"/>
+            <ac:spMk id="10" creationId="{7389173F-EAC4-4761-932C-2242F37F6B29}"/>
+          </ac:spMkLst>
+        </pc:spChg>
+        <pc:spChg chg="add mod">
+          <ac:chgData name="Cynthia Enciso" userId="7915927f-c5cf-4e1f-876d-e79882ad52fa" providerId="ADAL" clId="{ED60EBD3-90AC-49DF-9FC1-4EEE9F91A7A4}" dt="2021-05-11T14:09:21.814" v="71" actId="1076"/>
+          <ac:spMkLst>
+            <pc:docMk/>
+            <pc:sldMk cId="111416777" sldId="278"/>
+            <ac:spMk id="11" creationId="{0E49D18F-930B-4E66-ABA2-717C0C59BB06}"/>
+          </ac:spMkLst>
+        </pc:spChg>
+        <pc:spChg chg="add mod">
+          <ac:chgData name="Cynthia Enciso" userId="7915927f-c5cf-4e1f-876d-e79882ad52fa" providerId="ADAL" clId="{ED60EBD3-90AC-49DF-9FC1-4EEE9F91A7A4}" dt="2021-05-11T14:09:38.054" v="73" actId="20577"/>
+          <ac:spMkLst>
+            <pc:docMk/>
+            <pc:sldMk cId="111416777" sldId="278"/>
+            <ac:spMk id="12" creationId="{AA861D57-4EA9-4960-9C88-72B950049AAB}"/>
+          </ac:spMkLst>
+        </pc:spChg>
+        <pc:spChg chg="add mod">
+          <ac:chgData name="Cynthia Enciso" userId="7915927f-c5cf-4e1f-876d-e79882ad52fa" providerId="ADAL" clId="{ED60EBD3-90AC-49DF-9FC1-4EEE9F91A7A4}" dt="2021-05-11T14:09:59.893" v="123" actId="20577"/>
+          <ac:spMkLst>
+            <pc:docMk/>
+            <pc:sldMk cId="111416777" sldId="278"/>
+            <ac:spMk id="13" creationId="{C317E9EF-F6A3-4C70-B939-E2FFE510E71F}"/>
+          </ac:spMkLst>
+        </pc:spChg>
+        <pc:spChg chg="add mod">
+          <ac:chgData name="Cynthia Enciso" userId="7915927f-c5cf-4e1f-876d-e79882ad52fa" providerId="ADAL" clId="{ED60EBD3-90AC-49DF-9FC1-4EEE9F91A7A4}" dt="2021-05-11T14:31:19.088" v="416" actId="1076"/>
+          <ac:spMkLst>
+            <pc:docMk/>
+            <pc:sldMk cId="111416777" sldId="278"/>
+            <ac:spMk id="18" creationId="{E01D1E1C-5089-4E09-B9C7-14ACFE2B5C64}"/>
+          </ac:spMkLst>
+        </pc:spChg>
+        <pc:cxnChg chg="add">
+          <ac:chgData name="Cynthia Enciso" userId="7915927f-c5cf-4e1f-876d-e79882ad52fa" providerId="ADAL" clId="{ED60EBD3-90AC-49DF-9FC1-4EEE9F91A7A4}" dt="2021-05-11T14:10:05.373" v="124" actId="11529"/>
+          <ac:cxnSpMkLst>
+            <pc:docMk/>
+            <pc:sldMk cId="111416777" sldId="278"/>
+            <ac:cxnSpMk id="15" creationId="{3BBBCB2E-756D-4029-A899-3B71BB64B121}"/>
+          </ac:cxnSpMkLst>
+        </pc:cxnChg>
+        <pc:cxnChg chg="add mod">
+          <ac:chgData name="Cynthia Enciso" userId="7915927f-c5cf-4e1f-876d-e79882ad52fa" providerId="ADAL" clId="{ED60EBD3-90AC-49DF-9FC1-4EEE9F91A7A4}" dt="2021-05-11T14:10:10.729" v="126" actId="14100"/>
+          <ac:cxnSpMkLst>
+            <pc:docMk/>
+            <pc:sldMk cId="111416777" sldId="278"/>
+            <ac:cxnSpMk id="16" creationId="{1FC6BEC3-D66C-4CAE-9B6F-0369BDA66379}"/>
+          </ac:cxnSpMkLst>
+        </pc:cxnChg>
+      </pc:sldChg>
+      <pc:sldChg chg="addSp delSp modSp new del mod">
+        <pc:chgData name="Cynthia Enciso" userId="7915927f-c5cf-4e1f-876d-e79882ad52fa" providerId="ADAL" clId="{ED60EBD3-90AC-49DF-9FC1-4EEE9F91A7A4}" dt="2021-05-11T14:17:39.877" v="131" actId="2696"/>
+        <pc:sldMkLst>
+          <pc:docMk/>
+          <pc:sldMk cId="1849037767" sldId="279"/>
+        </pc:sldMkLst>
+        <pc:spChg chg="del">
+          <ac:chgData name="Cynthia Enciso" userId="7915927f-c5cf-4e1f-876d-e79882ad52fa" providerId="ADAL" clId="{ED60EBD3-90AC-49DF-9FC1-4EEE9F91A7A4}" dt="2021-05-11T14:17:16.944" v="128" actId="478"/>
+          <ac:spMkLst>
+            <pc:docMk/>
+            <pc:sldMk cId="1849037767" sldId="279"/>
+            <ac:spMk id="3" creationId="{A5B01F7A-FCEF-4EE2-ACA7-D242BB0FFCB2}"/>
+          </ac:spMkLst>
+        </pc:spChg>
+        <pc:spChg chg="add del mod">
+          <ac:chgData name="Cynthia Enciso" userId="7915927f-c5cf-4e1f-876d-e79882ad52fa" providerId="ADAL" clId="{ED60EBD3-90AC-49DF-9FC1-4EEE9F91A7A4}" dt="2021-05-11T14:17:35.325" v="130" actId="478"/>
+          <ac:spMkLst>
+            <pc:docMk/>
+            <pc:sldMk cId="1849037767" sldId="279"/>
+            <ac:spMk id="5" creationId="{D82A3BF7-0535-4A43-8DAF-81AC5772F649}"/>
+          </ac:spMkLst>
+        </pc:spChg>
+        <pc:spChg chg="add mod">
+          <ac:chgData name="Cynthia Enciso" userId="7915927f-c5cf-4e1f-876d-e79882ad52fa" providerId="ADAL" clId="{ED60EBD3-90AC-49DF-9FC1-4EEE9F91A7A4}" dt="2021-05-11T14:17:22.108" v="129"/>
+          <ac:spMkLst>
+            <pc:docMk/>
+            <pc:sldMk cId="1849037767" sldId="279"/>
+            <ac:spMk id="6" creationId="{1DDAA484-418F-454D-B1D0-FF0E00D671B6}"/>
+          </ac:spMkLst>
+        </pc:spChg>
+        <pc:spChg chg="add mod">
+          <ac:chgData name="Cynthia Enciso" userId="7915927f-c5cf-4e1f-876d-e79882ad52fa" providerId="ADAL" clId="{ED60EBD3-90AC-49DF-9FC1-4EEE9F91A7A4}" dt="2021-05-11T14:17:22.108" v="129"/>
+          <ac:spMkLst>
+            <pc:docMk/>
+            <pc:sldMk cId="1849037767" sldId="279"/>
+            <ac:spMk id="7" creationId="{6B52A878-B9CA-4562-A5E8-EAD991073C43}"/>
+          </ac:spMkLst>
+        </pc:spChg>
+        <pc:spChg chg="add del mod">
+          <ac:chgData name="Cynthia Enciso" userId="7915927f-c5cf-4e1f-876d-e79882ad52fa" providerId="ADAL" clId="{ED60EBD3-90AC-49DF-9FC1-4EEE9F91A7A4}" dt="2021-05-11T14:17:35.325" v="130" actId="478"/>
+          <ac:spMkLst>
+            <pc:docMk/>
+            <pc:sldMk cId="1849037767" sldId="279"/>
+            <ac:spMk id="8" creationId="{4EEEBCD5-56FC-46A2-9626-02DAE31BF8D4}"/>
+          </ac:spMkLst>
+        </pc:spChg>
+        <pc:spChg chg="add del mod">
+          <ac:chgData name="Cynthia Enciso" userId="7915927f-c5cf-4e1f-876d-e79882ad52fa" providerId="ADAL" clId="{ED60EBD3-90AC-49DF-9FC1-4EEE9F91A7A4}" dt="2021-05-11T14:17:35.325" v="130" actId="478"/>
+          <ac:spMkLst>
+            <pc:docMk/>
+            <pc:sldMk cId="1849037767" sldId="279"/>
+            <ac:spMk id="9" creationId="{816DCB65-5A64-495A-8525-7AE1EC0029A7}"/>
+          </ac:spMkLst>
+        </pc:spChg>
+        <pc:spChg chg="add del mod">
+          <ac:chgData name="Cynthia Enciso" userId="7915927f-c5cf-4e1f-876d-e79882ad52fa" providerId="ADAL" clId="{ED60EBD3-90AC-49DF-9FC1-4EEE9F91A7A4}" dt="2021-05-11T14:17:35.325" v="130" actId="478"/>
+          <ac:spMkLst>
+            <pc:docMk/>
+            <pc:sldMk cId="1849037767" sldId="279"/>
+            <ac:spMk id="10" creationId="{EE02DE05-6102-414C-A54C-45698FF5C62E}"/>
+          </ac:spMkLst>
+        </pc:spChg>
+        <pc:spChg chg="add del mod">
+          <ac:chgData name="Cynthia Enciso" userId="7915927f-c5cf-4e1f-876d-e79882ad52fa" providerId="ADAL" clId="{ED60EBD3-90AC-49DF-9FC1-4EEE9F91A7A4}" dt="2021-05-11T14:17:35.325" v="130" actId="478"/>
+          <ac:spMkLst>
+            <pc:docMk/>
+            <pc:sldMk cId="1849037767" sldId="279"/>
+            <ac:spMk id="11" creationId="{CF032A19-1C10-4C73-9186-2838C6C4BE3D}"/>
+          </ac:spMkLst>
+        </pc:spChg>
+        <pc:spChg chg="add del mod">
+          <ac:chgData name="Cynthia Enciso" userId="7915927f-c5cf-4e1f-876d-e79882ad52fa" providerId="ADAL" clId="{ED60EBD3-90AC-49DF-9FC1-4EEE9F91A7A4}" dt="2021-05-11T14:17:35.325" v="130" actId="478"/>
+          <ac:spMkLst>
+            <pc:docMk/>
+            <pc:sldMk cId="1849037767" sldId="279"/>
+            <ac:spMk id="12" creationId="{AED96DB5-59BB-4B28-9EF1-BD7BA7C5C6B1}"/>
+          </ac:spMkLst>
+        </pc:spChg>
+        <pc:spChg chg="add del mod">
+          <ac:chgData name="Cynthia Enciso" userId="7915927f-c5cf-4e1f-876d-e79882ad52fa" providerId="ADAL" clId="{ED60EBD3-90AC-49DF-9FC1-4EEE9F91A7A4}" dt="2021-05-11T14:17:35.325" v="130" actId="478"/>
+          <ac:spMkLst>
+            <pc:docMk/>
+            <pc:sldMk cId="1849037767" sldId="279"/>
+            <ac:spMk id="13" creationId="{BB3C5705-B3ED-4C21-8CE6-A02DF9FAACAF}"/>
+          </ac:spMkLst>
+        </pc:spChg>
+        <pc:cxnChg chg="add del mod">
+          <ac:chgData name="Cynthia Enciso" userId="7915927f-c5cf-4e1f-876d-e79882ad52fa" providerId="ADAL" clId="{ED60EBD3-90AC-49DF-9FC1-4EEE9F91A7A4}" dt="2021-05-11T14:17:35.325" v="130" actId="478"/>
+          <ac:cxnSpMkLst>
+            <pc:docMk/>
+            <pc:sldMk cId="1849037767" sldId="279"/>
+            <ac:cxnSpMk id="14" creationId="{7AC7D2F9-D07A-475A-98C3-4CE967BC292E}"/>
+          </ac:cxnSpMkLst>
+        </pc:cxnChg>
+        <pc:cxnChg chg="add del mod">
+          <ac:chgData name="Cynthia Enciso" userId="7915927f-c5cf-4e1f-876d-e79882ad52fa" providerId="ADAL" clId="{ED60EBD3-90AC-49DF-9FC1-4EEE9F91A7A4}" dt="2021-05-11T14:17:35.325" v="130" actId="478"/>
+          <ac:cxnSpMkLst>
+            <pc:docMk/>
+            <pc:sldMk cId="1849037767" sldId="279"/>
+            <ac:cxnSpMk id="15" creationId="{D8D617E4-D6AA-4D0D-A505-782E4C4C47E5}"/>
+          </ac:cxnSpMkLst>
+        </pc:cxnChg>
+      </pc:sldChg>
+      <pc:sldChg chg="addSp delSp modSp new mod">
+        <pc:chgData name="Cynthia Enciso" userId="7915927f-c5cf-4e1f-876d-e79882ad52fa" providerId="ADAL" clId="{ED60EBD3-90AC-49DF-9FC1-4EEE9F91A7A4}" dt="2021-05-11T21:22:14.441" v="803" actId="20577"/>
+        <pc:sldMkLst>
+          <pc:docMk/>
+          <pc:sldMk cId="3546549088" sldId="279"/>
+        </pc:sldMkLst>
+        <pc:spChg chg="del">
+          <ac:chgData name="Cynthia Enciso" userId="7915927f-c5cf-4e1f-876d-e79882ad52fa" providerId="ADAL" clId="{ED60EBD3-90AC-49DF-9FC1-4EEE9F91A7A4}" dt="2021-05-11T14:19:00.685" v="133" actId="478"/>
+          <ac:spMkLst>
+            <pc:docMk/>
+            <pc:sldMk cId="3546549088" sldId="279"/>
+            <ac:spMk id="3" creationId="{390A5EF9-B584-4529-A566-F8005DD33846}"/>
+          </ac:spMkLst>
+        </pc:spChg>
+        <pc:spChg chg="add mod">
+          <ac:chgData name="Cynthia Enciso" userId="7915927f-c5cf-4e1f-876d-e79882ad52fa" providerId="ADAL" clId="{ED60EBD3-90AC-49DF-9FC1-4EEE9F91A7A4}" dt="2021-05-11T14:23:03.876" v="275" actId="1076"/>
+          <ac:spMkLst>
+            <pc:docMk/>
+            <pc:sldMk cId="3546549088" sldId="279"/>
+            <ac:spMk id="5" creationId="{D3473C4C-285D-4255-B8C8-103EECD1959B}"/>
+          </ac:spMkLst>
+        </pc:spChg>
+        <pc:spChg chg="add mod">
+          <ac:chgData name="Cynthia Enciso" userId="7915927f-c5cf-4e1f-876d-e79882ad52fa" providerId="ADAL" clId="{ED60EBD3-90AC-49DF-9FC1-4EEE9F91A7A4}" dt="2021-05-11T21:19:43.261" v="801" actId="20578"/>
+          <ac:spMkLst>
+            <pc:docMk/>
+            <pc:sldMk cId="3546549088" sldId="279"/>
+            <ac:spMk id="6" creationId="{69FA37D9-1DC2-45F4-AE5C-95ED6052DBA1}"/>
+          </ac:spMkLst>
+        </pc:spChg>
+        <pc:spChg chg="add mod">
+          <ac:chgData name="Cynthia Enciso" userId="7915927f-c5cf-4e1f-876d-e79882ad52fa" providerId="ADAL" clId="{ED60EBD3-90AC-49DF-9FC1-4EEE9F91A7A4}" dt="2021-05-11T14:50:15.340" v="596" actId="20577"/>
+          <ac:spMkLst>
+            <pc:docMk/>
+            <pc:sldMk cId="3546549088" sldId="279"/>
+            <ac:spMk id="7" creationId="{35CE87E0-2A5E-43C1-AC1C-46EEE6C61513}"/>
+          </ac:spMkLst>
+        </pc:spChg>
+        <pc:spChg chg="add mod">
+          <ac:chgData name="Cynthia Enciso" userId="7915927f-c5cf-4e1f-876d-e79882ad52fa" providerId="ADAL" clId="{ED60EBD3-90AC-49DF-9FC1-4EEE9F91A7A4}" dt="2021-05-11T21:22:14.441" v="803" actId="20577"/>
+          <ac:spMkLst>
+            <pc:docMk/>
+            <pc:sldMk cId="3546549088" sldId="279"/>
+            <ac:spMk id="9" creationId="{713B55F1-7E96-485A-A35D-8A02F7001932}"/>
+          </ac:spMkLst>
+        </pc:spChg>
+        <pc:spChg chg="add mod">
+          <ac:chgData name="Cynthia Enciso" userId="7915927f-c5cf-4e1f-876d-e79882ad52fa" providerId="ADAL" clId="{ED60EBD3-90AC-49DF-9FC1-4EEE9F91A7A4}" dt="2021-05-11T14:23:05.862" v="276" actId="1076"/>
+          <ac:spMkLst>
+            <pc:docMk/>
+            <pc:sldMk cId="3546549088" sldId="279"/>
+            <ac:spMk id="11" creationId="{304A5ECF-1BC2-4E9B-B0F9-DC5D63B3BC8F}"/>
+          </ac:spMkLst>
+        </pc:spChg>
+        <pc:spChg chg="add mod">
+          <ac:chgData name="Cynthia Enciso" userId="7915927f-c5cf-4e1f-876d-e79882ad52fa" providerId="ADAL" clId="{ED60EBD3-90AC-49DF-9FC1-4EEE9F91A7A4}" dt="2021-05-11T21:19:45.813" v="802" actId="1076"/>
+          <ac:spMkLst>
+            <pc:docMk/>
+            <pc:sldMk cId="3546549088" sldId="279"/>
+            <ac:spMk id="12" creationId="{45D8670F-86B7-4EC9-8CDF-65303ECC2EA4}"/>
+          </ac:spMkLst>
+        </pc:spChg>
+        <pc:spChg chg="add del mod">
+          <ac:chgData name="Cynthia Enciso" userId="7915927f-c5cf-4e1f-876d-e79882ad52fa" providerId="ADAL" clId="{ED60EBD3-90AC-49DF-9FC1-4EEE9F91A7A4}" dt="2021-05-11T15:16:11.215" v="622" actId="21"/>
+          <ac:spMkLst>
+            <pc:docMk/>
+            <pc:sldMk cId="3546549088" sldId="279"/>
+            <ac:spMk id="13" creationId="{D4FEBEFC-844F-464E-98DF-E634CB78F41A}"/>
+          </ac:spMkLst>
+        </pc:spChg>
+      </pc:sldChg>
+      <pc:sldChg chg="addSp delSp modSp new del mod">
+        <pc:chgData name="Cynthia Enciso" userId="7915927f-c5cf-4e1f-876d-e79882ad52fa" providerId="ADAL" clId="{ED60EBD3-90AC-49DF-9FC1-4EEE9F91A7A4}" dt="2021-05-11T14:49:47.256" v="594" actId="47"/>
+        <pc:sldMkLst>
+          <pc:docMk/>
+          <pc:sldMk cId="1701855086" sldId="280"/>
+        </pc:sldMkLst>
+        <pc:spChg chg="del">
+          <ac:chgData name="Cynthia Enciso" userId="7915927f-c5cf-4e1f-876d-e79882ad52fa" providerId="ADAL" clId="{ED60EBD3-90AC-49DF-9FC1-4EEE9F91A7A4}" dt="2021-05-11T14:27:22.426" v="309" actId="478"/>
+          <ac:spMkLst>
+            <pc:docMk/>
+            <pc:sldMk cId="1701855086" sldId="280"/>
+            <ac:spMk id="3" creationId="{59DEC80E-3EB3-451C-811F-BC970919FB6B}"/>
+          </ac:spMkLst>
+        </pc:spChg>
+        <pc:spChg chg="add mod">
+          <ac:chgData name="Cynthia Enciso" userId="7915927f-c5cf-4e1f-876d-e79882ad52fa" providerId="ADAL" clId="{ED60EBD3-90AC-49DF-9FC1-4EEE9F91A7A4}" dt="2021-05-11T14:35:33.802" v="570" actId="14100"/>
+          <ac:spMkLst>
+            <pc:docMk/>
+            <pc:sldMk cId="1701855086" sldId="280"/>
+            <ac:spMk id="5" creationId="{C1AF383A-9424-43F8-8C4D-369C748DC9A6}"/>
+          </ac:spMkLst>
+        </pc:spChg>
+        <pc:spChg chg="add mod">
+          <ac:chgData name="Cynthia Enciso" userId="7915927f-c5cf-4e1f-876d-e79882ad52fa" providerId="ADAL" clId="{ED60EBD3-90AC-49DF-9FC1-4EEE9F91A7A4}" dt="2021-05-11T14:35:33.802" v="570" actId="14100"/>
+          <ac:spMkLst>
+            <pc:docMk/>
+            <pc:sldMk cId="1701855086" sldId="280"/>
+            <ac:spMk id="6" creationId="{E0BC7619-A425-4A92-B339-4FC362C7C9EF}"/>
+          </ac:spMkLst>
+        </pc:spChg>
+        <pc:spChg chg="add del mod">
+          <ac:chgData name="Cynthia Enciso" userId="7915927f-c5cf-4e1f-876d-e79882ad52fa" providerId="ADAL" clId="{ED60EBD3-90AC-49DF-9FC1-4EEE9F91A7A4}" dt="2021-05-11T14:33:49.518" v="515" actId="478"/>
+          <ac:spMkLst>
+            <pc:docMk/>
+            <pc:sldMk cId="1701855086" sldId="280"/>
+            <ac:spMk id="7" creationId="{64764DB5-DA90-4454-BFF4-4BFE4104A2B7}"/>
+          </ac:spMkLst>
+        </pc:spChg>
+        <pc:spChg chg="add del mod topLvl">
+          <ac:chgData name="Cynthia Enciso" userId="7915927f-c5cf-4e1f-876d-e79882ad52fa" providerId="ADAL" clId="{ED60EBD3-90AC-49DF-9FC1-4EEE9F91A7A4}" dt="2021-05-11T14:49:45.645" v="593" actId="478"/>
+          <ac:spMkLst>
+            <pc:docMk/>
+            <pc:sldMk cId="1701855086" sldId="280"/>
+            <ac:spMk id="8" creationId="{54059B98-7A9B-4575-915F-F8803862DB82}"/>
+          </ac:spMkLst>
+        </pc:spChg>
+        <pc:spChg chg="add del mod topLvl">
+          <ac:chgData name="Cynthia Enciso" userId="7915927f-c5cf-4e1f-876d-e79882ad52fa" providerId="ADAL" clId="{ED60EBD3-90AC-49DF-9FC1-4EEE9F91A7A4}" dt="2021-05-11T14:36:00.842" v="575" actId="478"/>
+          <ac:spMkLst>
+            <pc:docMk/>
+            <pc:sldMk cId="1701855086" sldId="280"/>
+            <ac:spMk id="9" creationId="{1CA03CE3-B2F3-4F91-839D-385E7644E4DD}"/>
+          </ac:spMkLst>
+        </pc:spChg>
+        <pc:spChg chg="mod">
+          <ac:chgData name="Cynthia Enciso" userId="7915927f-c5cf-4e1f-876d-e79882ad52fa" providerId="ADAL" clId="{ED60EBD3-90AC-49DF-9FC1-4EEE9F91A7A4}" dt="2021-05-11T14:34:49.584" v="536" actId="571"/>
+          <ac:spMkLst>
+            <pc:docMk/>
+            <pc:sldMk cId="1701855086" sldId="280"/>
+            <ac:spMk id="13" creationId="{B9D27E03-B12D-4AE9-91CF-CC0A2A98A719}"/>
+          </ac:spMkLst>
+        </pc:spChg>
+        <pc:spChg chg="mod">
+          <ac:chgData name="Cynthia Enciso" userId="7915927f-c5cf-4e1f-876d-e79882ad52fa" providerId="ADAL" clId="{ED60EBD3-90AC-49DF-9FC1-4EEE9F91A7A4}" dt="2021-05-11T14:34:49.584" v="536" actId="571"/>
+          <ac:spMkLst>
+            <pc:docMk/>
+            <pc:sldMk cId="1701855086" sldId="280"/>
+            <ac:spMk id="14" creationId="{0D365DC7-2F2F-423B-8105-807AE13EC8E3}"/>
+          </ac:spMkLst>
+        </pc:spChg>
+        <pc:spChg chg="add mod">
+          <ac:chgData name="Cynthia Enciso" userId="7915927f-c5cf-4e1f-876d-e79882ad52fa" providerId="ADAL" clId="{ED60EBD3-90AC-49DF-9FC1-4EEE9F91A7A4}" dt="2021-05-11T14:36:30.787" v="589" actId="1076"/>
+          <ac:spMkLst>
+            <pc:docMk/>
+            <pc:sldMk cId="1701855086" sldId="280"/>
+            <ac:spMk id="15" creationId="{E6A96F14-8E88-4926-9D7A-E3A25F1887EC}"/>
+          </ac:spMkLst>
+        </pc:spChg>
+        <pc:grpChg chg="add del mod">
+          <ac:chgData name="Cynthia Enciso" userId="7915927f-c5cf-4e1f-876d-e79882ad52fa" providerId="ADAL" clId="{ED60EBD3-90AC-49DF-9FC1-4EEE9F91A7A4}" dt="2021-05-11T14:34:34.449" v="529" actId="165"/>
+          <ac:grpSpMkLst>
+            <pc:docMk/>
+            <pc:sldMk cId="1701855086" sldId="280"/>
+            <ac:grpSpMk id="10" creationId="{EE169C50-F455-4BF2-8E9D-3C739535E63D}"/>
+          </ac:grpSpMkLst>
+        </pc:grpChg>
+        <pc:grpChg chg="add del mod">
+          <ac:chgData name="Cynthia Enciso" userId="7915927f-c5cf-4e1f-876d-e79882ad52fa" providerId="ADAL" clId="{ED60EBD3-90AC-49DF-9FC1-4EEE9F91A7A4}" dt="2021-05-11T14:35:58.010" v="574" actId="165"/>
+          <ac:grpSpMkLst>
+            <pc:docMk/>
+            <pc:sldMk cId="1701855086" sldId="280"/>
+            <ac:grpSpMk id="11" creationId="{CCA5A781-A4B4-407F-AE9B-794BE57F2B14}"/>
+          </ac:grpSpMkLst>
+        </pc:grpChg>
+        <pc:grpChg chg="add mod">
+          <ac:chgData name="Cynthia Enciso" userId="7915927f-c5cf-4e1f-876d-e79882ad52fa" providerId="ADAL" clId="{ED60EBD3-90AC-49DF-9FC1-4EEE9F91A7A4}" dt="2021-05-11T14:34:49.584" v="536" actId="571"/>
+          <ac:grpSpMkLst>
+            <pc:docMk/>
+            <pc:sldMk cId="1701855086" sldId="280"/>
+            <ac:grpSpMk id="12" creationId="{11874C69-A657-4C86-BB89-A82F8EA5DFBE}"/>
+          </ac:grpSpMkLst>
+        </pc:grpChg>
+      </pc:sldChg>
+    </pc:docChg>
+  </pc:docChgLst>
+  <pc:docChgLst>
+    <pc:chgData name="Cynthia Enciso" userId="7915927f-c5cf-4e1f-876d-e79882ad52fa" providerId="ADAL" clId="{3A0B43FD-B2EC-4CFD-A72A-86AB109D932D}"/>
+    <pc:docChg chg="undo custSel addSld delSld modSld sldOrd">
+      <pc:chgData name="Cynthia Enciso" userId="7915927f-c5cf-4e1f-876d-e79882ad52fa" providerId="ADAL" clId="{3A0B43FD-B2EC-4CFD-A72A-86AB109D932D}" dt="2021-06-15T21:12:55.105" v="180" actId="571"/>
+      <pc:docMkLst>
+        <pc:docMk/>
+      </pc:docMkLst>
+      <pc:sldChg chg="addSp modSp mod ord">
+        <pc:chgData name="Cynthia Enciso" userId="7915927f-c5cf-4e1f-876d-e79882ad52fa" providerId="ADAL" clId="{3A0B43FD-B2EC-4CFD-A72A-86AB109D932D}" dt="2021-06-15T20:12:43.633" v="124" actId="21"/>
+        <pc:sldMkLst>
+          <pc:docMk/>
+          <pc:sldMk cId="0" sldId="258"/>
+        </pc:sldMkLst>
+        <pc:spChg chg="add mod">
+          <ac:chgData name="Cynthia Enciso" userId="7915927f-c5cf-4e1f-876d-e79882ad52fa" providerId="ADAL" clId="{3A0B43FD-B2EC-4CFD-A72A-86AB109D932D}" dt="2021-06-15T20:12:43.633" v="124" actId="21"/>
+          <ac:spMkLst>
+            <pc:docMk/>
+            <pc:sldMk cId="0" sldId="258"/>
+            <ac:spMk id="2" creationId="{6BC2824E-1AE3-441E-BFFF-F545CF5A68B3}"/>
+          </ac:spMkLst>
+        </pc:spChg>
+      </pc:sldChg>
+      <pc:sldChg chg="delSp mod">
+        <pc:chgData name="Cynthia Enciso" userId="7915927f-c5cf-4e1f-876d-e79882ad52fa" providerId="ADAL" clId="{3A0B43FD-B2EC-4CFD-A72A-86AB109D932D}" dt="2021-06-15T20:12:04.276" v="90" actId="21"/>
+        <pc:sldMkLst>
+          <pc:docMk/>
+          <pc:sldMk cId="0" sldId="259"/>
+        </pc:sldMkLst>
+        <pc:spChg chg="del">
+          <ac:chgData name="Cynthia Enciso" userId="7915927f-c5cf-4e1f-876d-e79882ad52fa" providerId="ADAL" clId="{3A0B43FD-B2EC-4CFD-A72A-86AB109D932D}" dt="2021-06-15T20:12:04.276" v="90" actId="21"/>
+          <ac:spMkLst>
+            <pc:docMk/>
+            <pc:sldMk cId="0" sldId="259"/>
+            <ac:spMk id="5" creationId="{EC29FA11-EBC8-4E68-A3F5-10B28AAD6865}"/>
+          </ac:spMkLst>
+        </pc:spChg>
+      </pc:sldChg>
+      <pc:sldChg chg="del">
+        <pc:chgData name="Cynthia Enciso" userId="7915927f-c5cf-4e1f-876d-e79882ad52fa" providerId="ADAL" clId="{3A0B43FD-B2EC-4CFD-A72A-86AB109D932D}" dt="2021-06-15T20:11:16.890" v="87" actId="47"/>
+        <pc:sldMkLst>
+          <pc:docMk/>
+          <pc:sldMk cId="0" sldId="260"/>
+        </pc:sldMkLst>
+      </pc:sldChg>
+      <pc:sldChg chg="del">
+        <pc:chgData name="Cynthia Enciso" userId="7915927f-c5cf-4e1f-876d-e79882ad52fa" providerId="ADAL" clId="{3A0B43FD-B2EC-4CFD-A72A-86AB109D932D}" dt="2021-06-15T20:11:16.890" v="87" actId="47"/>
+        <pc:sldMkLst>
+          <pc:docMk/>
+          <pc:sldMk cId="0" sldId="261"/>
+        </pc:sldMkLst>
+      </pc:sldChg>
+      <pc:sldChg chg="addSp modSp mod">
+        <pc:chgData name="Cynthia Enciso" userId="7915927f-c5cf-4e1f-876d-e79882ad52fa" providerId="ADAL" clId="{3A0B43FD-B2EC-4CFD-A72A-86AB109D932D}" dt="2021-06-15T20:19:01.572" v="148" actId="20577"/>
+        <pc:sldMkLst>
+          <pc:docMk/>
+          <pc:sldMk cId="0" sldId="262"/>
+        </pc:sldMkLst>
+        <pc:spChg chg="add mod">
+          <ac:chgData name="Cynthia Enciso" userId="7915927f-c5cf-4e1f-876d-e79882ad52fa" providerId="ADAL" clId="{3A0B43FD-B2EC-4CFD-A72A-86AB109D932D}" dt="2021-06-15T20:19:01.572" v="148" actId="20577"/>
+          <ac:spMkLst>
+            <pc:docMk/>
+            <pc:sldMk cId="0" sldId="262"/>
+            <ac:spMk id="2" creationId="{457C0CF2-BBE3-4787-8BA6-A93125C54DA8}"/>
+          </ac:spMkLst>
+        </pc:spChg>
+      </pc:sldChg>
+      <pc:sldChg chg="addSp modSp mod">
+        <pc:chgData name="Cynthia Enciso" userId="7915927f-c5cf-4e1f-876d-e79882ad52fa" providerId="ADAL" clId="{3A0B43FD-B2EC-4CFD-A72A-86AB109D932D}" dt="2021-06-15T20:20:17.114" v="161" actId="20577"/>
+        <pc:sldMkLst>
+          <pc:docMk/>
+          <pc:sldMk cId="0" sldId="268"/>
+        </pc:sldMkLst>
+        <pc:spChg chg="add mod">
+          <ac:chgData name="Cynthia Enciso" userId="7915927f-c5cf-4e1f-876d-e79882ad52fa" providerId="ADAL" clId="{3A0B43FD-B2EC-4CFD-A72A-86AB109D932D}" dt="2021-06-15T20:20:17.114" v="161" actId="20577"/>
+          <ac:spMkLst>
+            <pc:docMk/>
+            <pc:sldMk cId="0" sldId="268"/>
+            <ac:spMk id="2" creationId="{4A53F78D-DFA1-4CCE-8535-4B68BC052D31}"/>
+          </ac:spMkLst>
+        </pc:spChg>
+      </pc:sldChg>
+      <pc:sldChg chg="addSp modSp mod">
+        <pc:chgData name="Cynthia Enciso" userId="7915927f-c5cf-4e1f-876d-e79882ad52fa" providerId="ADAL" clId="{3A0B43FD-B2EC-4CFD-A72A-86AB109D932D}" dt="2021-06-15T20:12:51.229" v="127" actId="20577"/>
+        <pc:sldMkLst>
+          <pc:docMk/>
+          <pc:sldMk cId="0" sldId="272"/>
+        </pc:sldMkLst>
+        <pc:spChg chg="add mod">
+          <ac:chgData name="Cynthia Enciso" userId="7915927f-c5cf-4e1f-876d-e79882ad52fa" providerId="ADAL" clId="{3A0B43FD-B2EC-4CFD-A72A-86AB109D932D}" dt="2021-06-15T20:12:51.229" v="127" actId="20577"/>
+          <ac:spMkLst>
+            <pc:docMk/>
+            <pc:sldMk cId="0" sldId="272"/>
+            <ac:spMk id="6" creationId="{F0CBA842-3FFB-4AD2-983C-954F6BC7FCCF}"/>
+          </ac:spMkLst>
+        </pc:spChg>
+      </pc:sldChg>
+      <pc:sldChg chg="modSp mod">
+        <pc:chgData name="Cynthia Enciso" userId="7915927f-c5cf-4e1f-876d-e79882ad52fa" providerId="ADAL" clId="{3A0B43FD-B2EC-4CFD-A72A-86AB109D932D}" dt="2021-06-15T21:06:05.394" v="163" actId="114"/>
+        <pc:sldMkLst>
+          <pc:docMk/>
+          <pc:sldMk cId="1814177333" sldId="276"/>
+        </pc:sldMkLst>
+        <pc:spChg chg="mod">
+          <ac:chgData name="Cynthia Enciso" userId="7915927f-c5cf-4e1f-876d-e79882ad52fa" providerId="ADAL" clId="{3A0B43FD-B2EC-4CFD-A72A-86AB109D932D}" dt="2021-06-15T21:06:05.394" v="163" actId="114"/>
+          <ac:spMkLst>
+            <pc:docMk/>
+            <pc:sldMk cId="1814177333" sldId="276"/>
+            <ac:spMk id="233" creationId="{00000000-0000-0000-0000-000000000000}"/>
+          </ac:spMkLst>
+        </pc:spChg>
+      </pc:sldChg>
+      <pc:sldChg chg="del">
+        <pc:chgData name="Cynthia Enciso" userId="7915927f-c5cf-4e1f-876d-e79882ad52fa" providerId="ADAL" clId="{3A0B43FD-B2EC-4CFD-A72A-86AB109D932D}" dt="2021-06-15T20:11:16.890" v="87" actId="47"/>
+        <pc:sldMkLst>
+          <pc:docMk/>
+          <pc:sldMk cId="2102769417" sldId="277"/>
+        </pc:sldMkLst>
+      </pc:sldChg>
+      <pc:sldChg chg="addSp modSp mod ord">
+        <pc:chgData name="Cynthia Enciso" userId="7915927f-c5cf-4e1f-876d-e79882ad52fa" providerId="ADAL" clId="{3A0B43FD-B2EC-4CFD-A72A-86AB109D932D}" dt="2021-06-15T21:12:55.105" v="180" actId="571"/>
+        <pc:sldMkLst>
+          <pc:docMk/>
+          <pc:sldMk cId="111416777" sldId="278"/>
+        </pc:sldMkLst>
+        <pc:spChg chg="add mod">
+          <ac:chgData name="Cynthia Enciso" userId="7915927f-c5cf-4e1f-876d-e79882ad52fa" providerId="ADAL" clId="{3A0B43FD-B2EC-4CFD-A72A-86AB109D932D}" dt="2021-06-15T21:12:53.431" v="179" actId="1076"/>
+          <ac:spMkLst>
+            <pc:docMk/>
+            <pc:sldMk cId="111416777" sldId="278"/>
+            <ac:spMk id="3" creationId="{693CCB9D-7A32-438E-8BB4-BAD63D54CFBD}"/>
+          </ac:spMkLst>
+        </pc:spChg>
+        <pc:spChg chg="mod">
+          <ac:chgData name="Cynthia Enciso" userId="7915927f-c5cf-4e1f-876d-e79882ad52fa" providerId="ADAL" clId="{3A0B43FD-B2EC-4CFD-A72A-86AB109D932D}" dt="2021-06-15T19:35:44.869" v="85" actId="20577"/>
+          <ac:spMkLst>
+            <pc:docMk/>
+            <pc:sldMk cId="111416777" sldId="278"/>
+            <ac:spMk id="11" creationId="{0E49D18F-930B-4E66-ABA2-717C0C59BB06}"/>
+          </ac:spMkLst>
+        </pc:spChg>
+        <pc:spChg chg="mod">
+          <ac:chgData name="Cynthia Enciso" userId="7915927f-c5cf-4e1f-876d-e79882ad52fa" providerId="ADAL" clId="{3A0B43FD-B2EC-4CFD-A72A-86AB109D932D}" dt="2021-06-15T21:12:48.480" v="177" actId="20577"/>
+          <ac:spMkLst>
+            <pc:docMk/>
+            <pc:sldMk cId="111416777" sldId="278"/>
+            <ac:spMk id="13" creationId="{C317E9EF-F6A3-4C70-B939-E2FFE510E71F}"/>
+          </ac:spMkLst>
+        </pc:spChg>
+        <pc:spChg chg="add mod">
+          <ac:chgData name="Cynthia Enciso" userId="7915927f-c5cf-4e1f-876d-e79882ad52fa" providerId="ADAL" clId="{3A0B43FD-B2EC-4CFD-A72A-86AB109D932D}" dt="2021-06-15T21:12:55.105" v="180" actId="571"/>
+          <ac:spMkLst>
+            <pc:docMk/>
+            <pc:sldMk cId="111416777" sldId="278"/>
+            <ac:spMk id="17" creationId="{1FA4E003-A16A-4DE4-AC75-3414F16BCCEC}"/>
+          </ac:spMkLst>
+        </pc:spChg>
+      </pc:sldChg>
+      <pc:sldChg chg="modSp mod ord">
+        <pc:chgData name="Cynthia Enciso" userId="7915927f-c5cf-4e1f-876d-e79882ad52fa" providerId="ADAL" clId="{3A0B43FD-B2EC-4CFD-A72A-86AB109D932D}" dt="2021-06-15T20:11:51.419" v="89"/>
+        <pc:sldMkLst>
+          <pc:docMk/>
+          <pc:sldMk cId="3546549088" sldId="279"/>
+        </pc:sldMkLst>
+        <pc:spChg chg="mod">
+          <ac:chgData name="Cynthia Enciso" userId="7915927f-c5cf-4e1f-876d-e79882ad52fa" providerId="ADAL" clId="{3A0B43FD-B2EC-4CFD-A72A-86AB109D932D}" dt="2021-06-15T19:37:24.021" v="86" actId="1076"/>
+          <ac:spMkLst>
+            <pc:docMk/>
+            <pc:sldMk cId="3546549088" sldId="279"/>
+            <ac:spMk id="12" creationId="{45D8670F-86B7-4EC9-8CDF-65303ECC2EA4}"/>
+          </ac:spMkLst>
+        </pc:spChg>
+      </pc:sldChg>
+      <pc:sldChg chg="modSp new mod">
+        <pc:chgData name="Cynthia Enciso" userId="7915927f-c5cf-4e1f-876d-e79882ad52fa" providerId="ADAL" clId="{3A0B43FD-B2EC-4CFD-A72A-86AB109D932D}" dt="2021-06-15T18:22:57.814" v="33" actId="20577"/>
+        <pc:sldMkLst>
+          <pc:docMk/>
+          <pc:sldMk cId="3038891659" sldId="280"/>
+        </pc:sldMkLst>
+        <pc:spChg chg="mod">
+          <ac:chgData name="Cynthia Enciso" userId="7915927f-c5cf-4e1f-876d-e79882ad52fa" providerId="ADAL" clId="{3A0B43FD-B2EC-4CFD-A72A-86AB109D932D}" dt="2021-06-15T18:22:53.113" v="6" actId="20577"/>
+          <ac:spMkLst>
+            <pc:docMk/>
+            <pc:sldMk cId="3038891659" sldId="280"/>
+            <ac:spMk id="2" creationId="{B31D38A9-2D57-4CDF-9097-CDB26A342298}"/>
+          </ac:spMkLst>
+        </pc:spChg>
+        <pc:spChg chg="mod">
+          <ac:chgData name="Cynthia Enciso" userId="7915927f-c5cf-4e1f-876d-e79882ad52fa" providerId="ADAL" clId="{3A0B43FD-B2EC-4CFD-A72A-86AB109D932D}" dt="2021-06-15T18:22:57.814" v="33" actId="20577"/>
+          <ac:spMkLst>
+            <pc:docMk/>
+            <pc:sldMk cId="3038891659" sldId="280"/>
+            <ac:spMk id="3" creationId="{4A99C0C4-D732-41ED-8554-14713CDC53D6}"/>
+          </ac:spMkLst>
+        </pc:spChg>
+      </pc:sldChg>
+    </pc:docChg>
+  </pc:docChgLst>
   <pc:docChgLst>
     <pc:chgData name="Cynthia Enciso" userId="7915927f-c5cf-4e1f-876d-e79882ad52fa" providerId="ADAL" clId="{406D9A5D-CD57-49F6-A3C2-E180543E482D}"/>
     <pc:docChg chg="undo redo custSel addSld delSld modSld sldOrd">
@@ -1630,203 +2306,6 @@
     </pc:docChg>
   </pc:docChgLst>
   <pc:docChgLst>
-    <pc:chgData name="Cynthia Enciso" userId="7915927f-c5cf-4e1f-876d-e79882ad52fa" providerId="ADAL" clId="{3A0B43FD-B2EC-4CFD-A72A-86AB109D932D}"/>
-    <pc:docChg chg="undo custSel addSld delSld modSld sldOrd">
-      <pc:chgData name="Cynthia Enciso" userId="7915927f-c5cf-4e1f-876d-e79882ad52fa" providerId="ADAL" clId="{3A0B43FD-B2EC-4CFD-A72A-86AB109D932D}" dt="2021-06-15T21:12:55.105" v="180" actId="571"/>
-      <pc:docMkLst>
-        <pc:docMk/>
-      </pc:docMkLst>
-      <pc:sldChg chg="addSp modSp mod ord">
-        <pc:chgData name="Cynthia Enciso" userId="7915927f-c5cf-4e1f-876d-e79882ad52fa" providerId="ADAL" clId="{3A0B43FD-B2EC-4CFD-A72A-86AB109D932D}" dt="2021-06-15T20:12:43.633" v="124" actId="21"/>
-        <pc:sldMkLst>
-          <pc:docMk/>
-          <pc:sldMk cId="0" sldId="258"/>
-        </pc:sldMkLst>
-        <pc:spChg chg="add mod">
-          <ac:chgData name="Cynthia Enciso" userId="7915927f-c5cf-4e1f-876d-e79882ad52fa" providerId="ADAL" clId="{3A0B43FD-B2EC-4CFD-A72A-86AB109D932D}" dt="2021-06-15T20:12:43.633" v="124" actId="21"/>
-          <ac:spMkLst>
-            <pc:docMk/>
-            <pc:sldMk cId="0" sldId="258"/>
-            <ac:spMk id="2" creationId="{6BC2824E-1AE3-441E-BFFF-F545CF5A68B3}"/>
-          </ac:spMkLst>
-        </pc:spChg>
-      </pc:sldChg>
-      <pc:sldChg chg="delSp mod">
-        <pc:chgData name="Cynthia Enciso" userId="7915927f-c5cf-4e1f-876d-e79882ad52fa" providerId="ADAL" clId="{3A0B43FD-B2EC-4CFD-A72A-86AB109D932D}" dt="2021-06-15T20:12:04.276" v="90" actId="21"/>
-        <pc:sldMkLst>
-          <pc:docMk/>
-          <pc:sldMk cId="0" sldId="259"/>
-        </pc:sldMkLst>
-        <pc:spChg chg="del">
-          <ac:chgData name="Cynthia Enciso" userId="7915927f-c5cf-4e1f-876d-e79882ad52fa" providerId="ADAL" clId="{3A0B43FD-B2EC-4CFD-A72A-86AB109D932D}" dt="2021-06-15T20:12:04.276" v="90" actId="21"/>
-          <ac:spMkLst>
-            <pc:docMk/>
-            <pc:sldMk cId="0" sldId="259"/>
-            <ac:spMk id="5" creationId="{EC29FA11-EBC8-4E68-A3F5-10B28AAD6865}"/>
-          </ac:spMkLst>
-        </pc:spChg>
-      </pc:sldChg>
-      <pc:sldChg chg="del">
-        <pc:chgData name="Cynthia Enciso" userId="7915927f-c5cf-4e1f-876d-e79882ad52fa" providerId="ADAL" clId="{3A0B43FD-B2EC-4CFD-A72A-86AB109D932D}" dt="2021-06-15T20:11:16.890" v="87" actId="47"/>
-        <pc:sldMkLst>
-          <pc:docMk/>
-          <pc:sldMk cId="0" sldId="260"/>
-        </pc:sldMkLst>
-      </pc:sldChg>
-      <pc:sldChg chg="del">
-        <pc:chgData name="Cynthia Enciso" userId="7915927f-c5cf-4e1f-876d-e79882ad52fa" providerId="ADAL" clId="{3A0B43FD-B2EC-4CFD-A72A-86AB109D932D}" dt="2021-06-15T20:11:16.890" v="87" actId="47"/>
-        <pc:sldMkLst>
-          <pc:docMk/>
-          <pc:sldMk cId="0" sldId="261"/>
-        </pc:sldMkLst>
-      </pc:sldChg>
-      <pc:sldChg chg="addSp modSp mod">
-        <pc:chgData name="Cynthia Enciso" userId="7915927f-c5cf-4e1f-876d-e79882ad52fa" providerId="ADAL" clId="{3A0B43FD-B2EC-4CFD-A72A-86AB109D932D}" dt="2021-06-15T20:19:01.572" v="148" actId="20577"/>
-        <pc:sldMkLst>
-          <pc:docMk/>
-          <pc:sldMk cId="0" sldId="262"/>
-        </pc:sldMkLst>
-        <pc:spChg chg="add mod">
-          <ac:chgData name="Cynthia Enciso" userId="7915927f-c5cf-4e1f-876d-e79882ad52fa" providerId="ADAL" clId="{3A0B43FD-B2EC-4CFD-A72A-86AB109D932D}" dt="2021-06-15T20:19:01.572" v="148" actId="20577"/>
-          <ac:spMkLst>
-            <pc:docMk/>
-            <pc:sldMk cId="0" sldId="262"/>
-            <ac:spMk id="2" creationId="{457C0CF2-BBE3-4787-8BA6-A93125C54DA8}"/>
-          </ac:spMkLst>
-        </pc:spChg>
-      </pc:sldChg>
-      <pc:sldChg chg="addSp modSp mod">
-        <pc:chgData name="Cynthia Enciso" userId="7915927f-c5cf-4e1f-876d-e79882ad52fa" providerId="ADAL" clId="{3A0B43FD-B2EC-4CFD-A72A-86AB109D932D}" dt="2021-06-15T20:20:17.114" v="161" actId="20577"/>
-        <pc:sldMkLst>
-          <pc:docMk/>
-          <pc:sldMk cId="0" sldId="268"/>
-        </pc:sldMkLst>
-        <pc:spChg chg="add mod">
-          <ac:chgData name="Cynthia Enciso" userId="7915927f-c5cf-4e1f-876d-e79882ad52fa" providerId="ADAL" clId="{3A0B43FD-B2EC-4CFD-A72A-86AB109D932D}" dt="2021-06-15T20:20:17.114" v="161" actId="20577"/>
-          <ac:spMkLst>
-            <pc:docMk/>
-            <pc:sldMk cId="0" sldId="268"/>
-            <ac:spMk id="2" creationId="{4A53F78D-DFA1-4CCE-8535-4B68BC052D31}"/>
-          </ac:spMkLst>
-        </pc:spChg>
-      </pc:sldChg>
-      <pc:sldChg chg="addSp modSp mod">
-        <pc:chgData name="Cynthia Enciso" userId="7915927f-c5cf-4e1f-876d-e79882ad52fa" providerId="ADAL" clId="{3A0B43FD-B2EC-4CFD-A72A-86AB109D932D}" dt="2021-06-15T20:12:51.229" v="127" actId="20577"/>
-        <pc:sldMkLst>
-          <pc:docMk/>
-          <pc:sldMk cId="0" sldId="272"/>
-        </pc:sldMkLst>
-        <pc:spChg chg="add mod">
-          <ac:chgData name="Cynthia Enciso" userId="7915927f-c5cf-4e1f-876d-e79882ad52fa" providerId="ADAL" clId="{3A0B43FD-B2EC-4CFD-A72A-86AB109D932D}" dt="2021-06-15T20:12:51.229" v="127" actId="20577"/>
-          <ac:spMkLst>
-            <pc:docMk/>
-            <pc:sldMk cId="0" sldId="272"/>
-            <ac:spMk id="6" creationId="{F0CBA842-3FFB-4AD2-983C-954F6BC7FCCF}"/>
-          </ac:spMkLst>
-        </pc:spChg>
-      </pc:sldChg>
-      <pc:sldChg chg="modSp mod">
-        <pc:chgData name="Cynthia Enciso" userId="7915927f-c5cf-4e1f-876d-e79882ad52fa" providerId="ADAL" clId="{3A0B43FD-B2EC-4CFD-A72A-86AB109D932D}" dt="2021-06-15T21:06:05.394" v="163" actId="114"/>
-        <pc:sldMkLst>
-          <pc:docMk/>
-          <pc:sldMk cId="1814177333" sldId="276"/>
-        </pc:sldMkLst>
-        <pc:spChg chg="mod">
-          <ac:chgData name="Cynthia Enciso" userId="7915927f-c5cf-4e1f-876d-e79882ad52fa" providerId="ADAL" clId="{3A0B43FD-B2EC-4CFD-A72A-86AB109D932D}" dt="2021-06-15T21:06:05.394" v="163" actId="114"/>
-          <ac:spMkLst>
-            <pc:docMk/>
-            <pc:sldMk cId="1814177333" sldId="276"/>
-            <ac:spMk id="233" creationId="{00000000-0000-0000-0000-000000000000}"/>
-          </ac:spMkLst>
-        </pc:spChg>
-      </pc:sldChg>
-      <pc:sldChg chg="del">
-        <pc:chgData name="Cynthia Enciso" userId="7915927f-c5cf-4e1f-876d-e79882ad52fa" providerId="ADAL" clId="{3A0B43FD-B2EC-4CFD-A72A-86AB109D932D}" dt="2021-06-15T20:11:16.890" v="87" actId="47"/>
-        <pc:sldMkLst>
-          <pc:docMk/>
-          <pc:sldMk cId="2102769417" sldId="277"/>
-        </pc:sldMkLst>
-      </pc:sldChg>
-      <pc:sldChg chg="addSp modSp mod ord">
-        <pc:chgData name="Cynthia Enciso" userId="7915927f-c5cf-4e1f-876d-e79882ad52fa" providerId="ADAL" clId="{3A0B43FD-B2EC-4CFD-A72A-86AB109D932D}" dt="2021-06-15T21:12:55.105" v="180" actId="571"/>
-        <pc:sldMkLst>
-          <pc:docMk/>
-          <pc:sldMk cId="111416777" sldId="278"/>
-        </pc:sldMkLst>
-        <pc:spChg chg="add mod">
-          <ac:chgData name="Cynthia Enciso" userId="7915927f-c5cf-4e1f-876d-e79882ad52fa" providerId="ADAL" clId="{3A0B43FD-B2EC-4CFD-A72A-86AB109D932D}" dt="2021-06-15T21:12:53.431" v="179" actId="1076"/>
-          <ac:spMkLst>
-            <pc:docMk/>
-            <pc:sldMk cId="111416777" sldId="278"/>
-            <ac:spMk id="3" creationId="{693CCB9D-7A32-438E-8BB4-BAD63D54CFBD}"/>
-          </ac:spMkLst>
-        </pc:spChg>
-        <pc:spChg chg="mod">
-          <ac:chgData name="Cynthia Enciso" userId="7915927f-c5cf-4e1f-876d-e79882ad52fa" providerId="ADAL" clId="{3A0B43FD-B2EC-4CFD-A72A-86AB109D932D}" dt="2021-06-15T19:35:44.869" v="85" actId="20577"/>
-          <ac:spMkLst>
-            <pc:docMk/>
-            <pc:sldMk cId="111416777" sldId="278"/>
-            <ac:spMk id="11" creationId="{0E49D18F-930B-4E66-ABA2-717C0C59BB06}"/>
-          </ac:spMkLst>
-        </pc:spChg>
-        <pc:spChg chg="mod">
-          <ac:chgData name="Cynthia Enciso" userId="7915927f-c5cf-4e1f-876d-e79882ad52fa" providerId="ADAL" clId="{3A0B43FD-B2EC-4CFD-A72A-86AB109D932D}" dt="2021-06-15T21:12:48.480" v="177" actId="20577"/>
-          <ac:spMkLst>
-            <pc:docMk/>
-            <pc:sldMk cId="111416777" sldId="278"/>
-            <ac:spMk id="13" creationId="{C317E9EF-F6A3-4C70-B939-E2FFE510E71F}"/>
-          </ac:spMkLst>
-        </pc:spChg>
-        <pc:spChg chg="add mod">
-          <ac:chgData name="Cynthia Enciso" userId="7915927f-c5cf-4e1f-876d-e79882ad52fa" providerId="ADAL" clId="{3A0B43FD-B2EC-4CFD-A72A-86AB109D932D}" dt="2021-06-15T21:12:55.105" v="180" actId="571"/>
-          <ac:spMkLst>
-            <pc:docMk/>
-            <pc:sldMk cId="111416777" sldId="278"/>
-            <ac:spMk id="17" creationId="{1FA4E003-A16A-4DE4-AC75-3414F16BCCEC}"/>
-          </ac:spMkLst>
-        </pc:spChg>
-      </pc:sldChg>
-      <pc:sldChg chg="modSp mod ord">
-        <pc:chgData name="Cynthia Enciso" userId="7915927f-c5cf-4e1f-876d-e79882ad52fa" providerId="ADAL" clId="{3A0B43FD-B2EC-4CFD-A72A-86AB109D932D}" dt="2021-06-15T20:11:51.419" v="89"/>
-        <pc:sldMkLst>
-          <pc:docMk/>
-          <pc:sldMk cId="3546549088" sldId="279"/>
-        </pc:sldMkLst>
-        <pc:spChg chg="mod">
-          <ac:chgData name="Cynthia Enciso" userId="7915927f-c5cf-4e1f-876d-e79882ad52fa" providerId="ADAL" clId="{3A0B43FD-B2EC-4CFD-A72A-86AB109D932D}" dt="2021-06-15T19:37:24.021" v="86" actId="1076"/>
-          <ac:spMkLst>
-            <pc:docMk/>
-            <pc:sldMk cId="3546549088" sldId="279"/>
-            <ac:spMk id="12" creationId="{45D8670F-86B7-4EC9-8CDF-65303ECC2EA4}"/>
-          </ac:spMkLst>
-        </pc:spChg>
-      </pc:sldChg>
-      <pc:sldChg chg="modSp new mod">
-        <pc:chgData name="Cynthia Enciso" userId="7915927f-c5cf-4e1f-876d-e79882ad52fa" providerId="ADAL" clId="{3A0B43FD-B2EC-4CFD-A72A-86AB109D932D}" dt="2021-06-15T18:22:57.814" v="33" actId="20577"/>
-        <pc:sldMkLst>
-          <pc:docMk/>
-          <pc:sldMk cId="3038891659" sldId="280"/>
-        </pc:sldMkLst>
-        <pc:spChg chg="mod">
-          <ac:chgData name="Cynthia Enciso" userId="7915927f-c5cf-4e1f-876d-e79882ad52fa" providerId="ADAL" clId="{3A0B43FD-B2EC-4CFD-A72A-86AB109D932D}" dt="2021-06-15T18:22:53.113" v="6" actId="20577"/>
-          <ac:spMkLst>
-            <pc:docMk/>
-            <pc:sldMk cId="3038891659" sldId="280"/>
-            <ac:spMk id="2" creationId="{B31D38A9-2D57-4CDF-9097-CDB26A342298}"/>
-          </ac:spMkLst>
-        </pc:spChg>
-        <pc:spChg chg="mod">
-          <ac:chgData name="Cynthia Enciso" userId="7915927f-c5cf-4e1f-876d-e79882ad52fa" providerId="ADAL" clId="{3A0B43FD-B2EC-4CFD-A72A-86AB109D932D}" dt="2021-06-15T18:22:57.814" v="33" actId="20577"/>
-          <ac:spMkLst>
-            <pc:docMk/>
-            <pc:sldMk cId="3038891659" sldId="280"/>
-            <ac:spMk id="3" creationId="{4A99C0C4-D732-41ED-8554-14713CDC53D6}"/>
-          </ac:spMkLst>
-        </pc:spChg>
-      </pc:sldChg>
-    </pc:docChg>
-  </pc:docChgLst>
-  <pc:docChgLst>
     <pc:chgData name="Cynthia Enciso" userId="7915927f-c5cf-4e1f-876d-e79882ad52fa" providerId="ADAL" clId="{8C77B812-4FE7-422B-970B-CDB55EF74933}"/>
     <pc:docChg chg="undo custSel addSld delSld modSld sldOrd">
       <pc:chgData name="Cynthia Enciso" userId="7915927f-c5cf-4e1f-876d-e79882ad52fa" providerId="ADAL" clId="{8C77B812-4FE7-422B-970B-CDB55EF74933}" dt="2021-10-26T21:13:32.975" v="1424" actId="20577"/>
@@ -2219,485 +2698,6 @@
             <ac:cxnSpMk id="26" creationId="{B97AD56D-65FB-4FC9-935E-5E6FE726EF6D}"/>
           </ac:cxnSpMkLst>
         </pc:cxnChg>
-      </pc:sldChg>
-    </pc:docChg>
-  </pc:docChgLst>
-  <pc:docChgLst>
-    <pc:chgData name="Cynthia Enciso" userId="7915927f-c5cf-4e1f-876d-e79882ad52fa" providerId="ADAL" clId="{ED60EBD3-90AC-49DF-9FC1-4EEE9F91A7A4}"/>
-    <pc:docChg chg="undo redo custSel addSld delSld modSld">
-      <pc:chgData name="Cynthia Enciso" userId="7915927f-c5cf-4e1f-876d-e79882ad52fa" providerId="ADAL" clId="{ED60EBD3-90AC-49DF-9FC1-4EEE9F91A7A4}" dt="2021-05-11T21:22:14.441" v="803" actId="20577"/>
-      <pc:docMkLst>
-        <pc:docMk/>
-      </pc:docMkLst>
-      <pc:sldChg chg="addSp delSp modSp mod">
-        <pc:chgData name="Cynthia Enciso" userId="7915927f-c5cf-4e1f-876d-e79882ad52fa" providerId="ADAL" clId="{ED60EBD3-90AC-49DF-9FC1-4EEE9F91A7A4}" dt="2021-05-11T21:15:41.825" v="799" actId="478"/>
-        <pc:sldMkLst>
-          <pc:docMk/>
-          <pc:sldMk cId="0" sldId="257"/>
-        </pc:sldMkLst>
-        <pc:spChg chg="add del mod">
-          <ac:chgData name="Cynthia Enciso" userId="7915927f-c5cf-4e1f-876d-e79882ad52fa" providerId="ADAL" clId="{ED60EBD3-90AC-49DF-9FC1-4EEE9F91A7A4}" dt="2021-05-11T21:15:41.825" v="799" actId="478"/>
-          <ac:spMkLst>
-            <pc:docMk/>
-            <pc:sldMk cId="0" sldId="257"/>
-            <ac:spMk id="2" creationId="{61F721CD-1E39-4ABA-BF97-A494BA22AA33}"/>
-          </ac:spMkLst>
-        </pc:spChg>
-      </pc:sldChg>
-      <pc:sldChg chg="modSp mod">
-        <pc:chgData name="Cynthia Enciso" userId="7915927f-c5cf-4e1f-876d-e79882ad52fa" providerId="ADAL" clId="{ED60EBD3-90AC-49DF-9FC1-4EEE9F91A7A4}" dt="2021-05-11T14:33:13.540" v="492" actId="14100"/>
-        <pc:sldMkLst>
-          <pc:docMk/>
-          <pc:sldMk cId="0" sldId="258"/>
-        </pc:sldMkLst>
-        <pc:spChg chg="mod">
-          <ac:chgData name="Cynthia Enciso" userId="7915927f-c5cf-4e1f-876d-e79882ad52fa" providerId="ADAL" clId="{ED60EBD3-90AC-49DF-9FC1-4EEE9F91A7A4}" dt="2021-05-11T14:33:13.540" v="492" actId="14100"/>
-          <ac:spMkLst>
-            <pc:docMk/>
-            <pc:sldMk cId="0" sldId="258"/>
-            <ac:spMk id="226" creationId="{00000000-0000-0000-0000-000000000000}"/>
-          </ac:spMkLst>
-        </pc:spChg>
-      </pc:sldChg>
-      <pc:sldChg chg="addSp modSp mod">
-        <pc:chgData name="Cynthia Enciso" userId="7915927f-c5cf-4e1f-876d-e79882ad52fa" providerId="ADAL" clId="{ED60EBD3-90AC-49DF-9FC1-4EEE9F91A7A4}" dt="2021-05-11T15:27:37.610" v="653" actId="14100"/>
-        <pc:sldMkLst>
-          <pc:docMk/>
-          <pc:sldMk cId="0" sldId="259"/>
-        </pc:sldMkLst>
-        <pc:spChg chg="add mod">
-          <ac:chgData name="Cynthia Enciso" userId="7915927f-c5cf-4e1f-876d-e79882ad52fa" providerId="ADAL" clId="{ED60EBD3-90AC-49DF-9FC1-4EEE9F91A7A4}" dt="2021-05-11T15:27:37.610" v="653" actId="14100"/>
-          <ac:spMkLst>
-            <pc:docMk/>
-            <pc:sldMk cId="0" sldId="259"/>
-            <ac:spMk id="5" creationId="{EC29FA11-EBC8-4E68-A3F5-10B28AAD6865}"/>
-          </ac:spMkLst>
-        </pc:spChg>
-      </pc:sldChg>
-      <pc:sldChg chg="del">
-        <pc:chgData name="Cynthia Enciso" userId="7915927f-c5cf-4e1f-876d-e79882ad52fa" providerId="ADAL" clId="{ED60EBD3-90AC-49DF-9FC1-4EEE9F91A7A4}" dt="2021-05-11T17:05:22.002" v="654" actId="47"/>
-        <pc:sldMkLst>
-          <pc:docMk/>
-          <pc:sldMk cId="0" sldId="264"/>
-        </pc:sldMkLst>
-      </pc:sldChg>
-      <pc:sldChg chg="modSp mod">
-        <pc:chgData name="Cynthia Enciso" userId="7915927f-c5cf-4e1f-876d-e79882ad52fa" providerId="ADAL" clId="{ED60EBD3-90AC-49DF-9FC1-4EEE9F91A7A4}" dt="2021-05-11T17:20:41.685" v="775" actId="14100"/>
-        <pc:sldMkLst>
-          <pc:docMk/>
-          <pc:sldMk cId="0" sldId="266"/>
-        </pc:sldMkLst>
-        <pc:spChg chg="mod">
-          <ac:chgData name="Cynthia Enciso" userId="7915927f-c5cf-4e1f-876d-e79882ad52fa" providerId="ADAL" clId="{ED60EBD3-90AC-49DF-9FC1-4EEE9F91A7A4}" dt="2021-05-11T17:20:41.685" v="775" actId="14100"/>
-          <ac:spMkLst>
-            <pc:docMk/>
-            <pc:sldMk cId="0" sldId="266"/>
-            <ac:spMk id="3" creationId="{B191859A-9A4C-4DDF-89BD-47134E6C4842}"/>
-          </ac:spMkLst>
-        </pc:spChg>
-      </pc:sldChg>
-      <pc:sldChg chg="modSp mod">
-        <pc:chgData name="Cynthia Enciso" userId="7915927f-c5cf-4e1f-876d-e79882ad52fa" providerId="ADAL" clId="{ED60EBD3-90AC-49DF-9FC1-4EEE9F91A7A4}" dt="2021-05-11T17:12:57.940" v="773" actId="20577"/>
-        <pc:sldMkLst>
-          <pc:docMk/>
-          <pc:sldMk cId="2546056288" sldId="274"/>
-        </pc:sldMkLst>
-        <pc:spChg chg="mod">
-          <ac:chgData name="Cynthia Enciso" userId="7915927f-c5cf-4e1f-876d-e79882ad52fa" providerId="ADAL" clId="{ED60EBD3-90AC-49DF-9FC1-4EEE9F91A7A4}" dt="2021-05-11T17:12:57.940" v="773" actId="20577"/>
-          <ac:spMkLst>
-            <pc:docMk/>
-            <pc:sldMk cId="2546056288" sldId="274"/>
-            <ac:spMk id="9" creationId="{8DCC4198-E08D-4604-B165-0E6553F9902B}"/>
-          </ac:spMkLst>
-        </pc:spChg>
-      </pc:sldChg>
-      <pc:sldChg chg="addSp delSp modSp new mod">
-        <pc:chgData name="Cynthia Enciso" userId="7915927f-c5cf-4e1f-876d-e79882ad52fa" providerId="ADAL" clId="{ED60EBD3-90AC-49DF-9FC1-4EEE9F91A7A4}" dt="2021-05-11T14:31:19.088" v="416" actId="1076"/>
-        <pc:sldMkLst>
-          <pc:docMk/>
-          <pc:sldMk cId="111416777" sldId="278"/>
-        </pc:sldMkLst>
-        <pc:spChg chg="del">
-          <ac:chgData name="Cynthia Enciso" userId="7915927f-c5cf-4e1f-876d-e79882ad52fa" providerId="ADAL" clId="{ED60EBD3-90AC-49DF-9FC1-4EEE9F91A7A4}" dt="2021-05-11T14:08:07.417" v="1" actId="478"/>
-          <ac:spMkLst>
-            <pc:docMk/>
-            <pc:sldMk cId="111416777" sldId="278"/>
-            <ac:spMk id="3" creationId="{A1D32090-8B52-4D3C-AEAB-B83F39FD2F0A}"/>
-          </ac:spMkLst>
-        </pc:spChg>
-        <pc:spChg chg="add mod">
-          <ac:chgData name="Cynthia Enciso" userId="7915927f-c5cf-4e1f-876d-e79882ad52fa" providerId="ADAL" clId="{ED60EBD3-90AC-49DF-9FC1-4EEE9F91A7A4}" dt="2021-05-11T14:08:13.696" v="3" actId="13822"/>
-          <ac:spMkLst>
-            <pc:docMk/>
-            <pc:sldMk cId="111416777" sldId="278"/>
-            <ac:spMk id="5" creationId="{F2A760AB-011A-4307-95B1-956C56F2E5C9}"/>
-          </ac:spMkLst>
-        </pc:spChg>
-        <pc:spChg chg="add mod">
-          <ac:chgData name="Cynthia Enciso" userId="7915927f-c5cf-4e1f-876d-e79882ad52fa" providerId="ADAL" clId="{ED60EBD3-90AC-49DF-9FC1-4EEE9F91A7A4}" dt="2021-05-11T14:08:23.688" v="9" actId="1076"/>
-          <ac:spMkLst>
-            <pc:docMk/>
-            <pc:sldMk cId="111416777" sldId="278"/>
-            <ac:spMk id="6" creationId="{6CC213E8-A3E0-45A2-B971-6D3F9624E54E}"/>
-          </ac:spMkLst>
-        </pc:spChg>
-        <pc:spChg chg="add mod">
-          <ac:chgData name="Cynthia Enciso" userId="7915927f-c5cf-4e1f-876d-e79882ad52fa" providerId="ADAL" clId="{ED60EBD3-90AC-49DF-9FC1-4EEE9F91A7A4}" dt="2021-05-11T14:08:30.776" v="13" actId="1076"/>
-          <ac:spMkLst>
-            <pc:docMk/>
-            <pc:sldMk cId="111416777" sldId="278"/>
-            <ac:spMk id="7" creationId="{FEFE4E76-5193-4E48-B4AF-545C0F6EE91C}"/>
-          </ac:spMkLst>
-        </pc:spChg>
-        <pc:spChg chg="add mod">
-          <ac:chgData name="Cynthia Enciso" userId="7915927f-c5cf-4e1f-876d-e79882ad52fa" providerId="ADAL" clId="{ED60EBD3-90AC-49DF-9FC1-4EEE9F91A7A4}" dt="2021-05-11T14:08:40.744" v="28" actId="20577"/>
-          <ac:spMkLst>
-            <pc:docMk/>
-            <pc:sldMk cId="111416777" sldId="278"/>
-            <ac:spMk id="8" creationId="{77F69B0E-E074-4738-B1C3-FA69DEC60116}"/>
-          </ac:spMkLst>
-        </pc:spChg>
-        <pc:spChg chg="add mod">
-          <ac:chgData name="Cynthia Enciso" userId="7915927f-c5cf-4e1f-876d-e79882ad52fa" providerId="ADAL" clId="{ED60EBD3-90AC-49DF-9FC1-4EEE9F91A7A4}" dt="2021-05-11T14:09:47.033" v="103" actId="20577"/>
-          <ac:spMkLst>
-            <pc:docMk/>
-            <pc:sldMk cId="111416777" sldId="278"/>
-            <ac:spMk id="9" creationId="{9BFA40FE-DAE1-41DC-82C6-94BCBAC4F8B7}"/>
-          </ac:spMkLst>
-        </pc:spChg>
-        <pc:spChg chg="add mod">
-          <ac:chgData name="Cynthia Enciso" userId="7915927f-c5cf-4e1f-876d-e79882ad52fa" providerId="ADAL" clId="{ED60EBD3-90AC-49DF-9FC1-4EEE9F91A7A4}" dt="2021-05-11T14:09:06.554" v="58" actId="14100"/>
-          <ac:spMkLst>
-            <pc:docMk/>
-            <pc:sldMk cId="111416777" sldId="278"/>
-            <ac:spMk id="10" creationId="{7389173F-EAC4-4761-932C-2242F37F6B29}"/>
-          </ac:spMkLst>
-        </pc:spChg>
-        <pc:spChg chg="add mod">
-          <ac:chgData name="Cynthia Enciso" userId="7915927f-c5cf-4e1f-876d-e79882ad52fa" providerId="ADAL" clId="{ED60EBD3-90AC-49DF-9FC1-4EEE9F91A7A4}" dt="2021-05-11T14:09:21.814" v="71" actId="1076"/>
-          <ac:spMkLst>
-            <pc:docMk/>
-            <pc:sldMk cId="111416777" sldId="278"/>
-            <ac:spMk id="11" creationId="{0E49D18F-930B-4E66-ABA2-717C0C59BB06}"/>
-          </ac:spMkLst>
-        </pc:spChg>
-        <pc:spChg chg="add mod">
-          <ac:chgData name="Cynthia Enciso" userId="7915927f-c5cf-4e1f-876d-e79882ad52fa" providerId="ADAL" clId="{ED60EBD3-90AC-49DF-9FC1-4EEE9F91A7A4}" dt="2021-05-11T14:09:38.054" v="73" actId="20577"/>
-          <ac:spMkLst>
-            <pc:docMk/>
-            <pc:sldMk cId="111416777" sldId="278"/>
-            <ac:spMk id="12" creationId="{AA861D57-4EA9-4960-9C88-72B950049AAB}"/>
-          </ac:spMkLst>
-        </pc:spChg>
-        <pc:spChg chg="add mod">
-          <ac:chgData name="Cynthia Enciso" userId="7915927f-c5cf-4e1f-876d-e79882ad52fa" providerId="ADAL" clId="{ED60EBD3-90AC-49DF-9FC1-4EEE9F91A7A4}" dt="2021-05-11T14:09:59.893" v="123" actId="20577"/>
-          <ac:spMkLst>
-            <pc:docMk/>
-            <pc:sldMk cId="111416777" sldId="278"/>
-            <ac:spMk id="13" creationId="{C317E9EF-F6A3-4C70-B939-E2FFE510E71F}"/>
-          </ac:spMkLst>
-        </pc:spChg>
-        <pc:spChg chg="add mod">
-          <ac:chgData name="Cynthia Enciso" userId="7915927f-c5cf-4e1f-876d-e79882ad52fa" providerId="ADAL" clId="{ED60EBD3-90AC-49DF-9FC1-4EEE9F91A7A4}" dt="2021-05-11T14:31:19.088" v="416" actId="1076"/>
-          <ac:spMkLst>
-            <pc:docMk/>
-            <pc:sldMk cId="111416777" sldId="278"/>
-            <ac:spMk id="18" creationId="{E01D1E1C-5089-4E09-B9C7-14ACFE2B5C64}"/>
-          </ac:spMkLst>
-        </pc:spChg>
-        <pc:cxnChg chg="add">
-          <ac:chgData name="Cynthia Enciso" userId="7915927f-c5cf-4e1f-876d-e79882ad52fa" providerId="ADAL" clId="{ED60EBD3-90AC-49DF-9FC1-4EEE9F91A7A4}" dt="2021-05-11T14:10:05.373" v="124" actId="11529"/>
-          <ac:cxnSpMkLst>
-            <pc:docMk/>
-            <pc:sldMk cId="111416777" sldId="278"/>
-            <ac:cxnSpMk id="15" creationId="{3BBBCB2E-756D-4029-A899-3B71BB64B121}"/>
-          </ac:cxnSpMkLst>
-        </pc:cxnChg>
-        <pc:cxnChg chg="add mod">
-          <ac:chgData name="Cynthia Enciso" userId="7915927f-c5cf-4e1f-876d-e79882ad52fa" providerId="ADAL" clId="{ED60EBD3-90AC-49DF-9FC1-4EEE9F91A7A4}" dt="2021-05-11T14:10:10.729" v="126" actId="14100"/>
-          <ac:cxnSpMkLst>
-            <pc:docMk/>
-            <pc:sldMk cId="111416777" sldId="278"/>
-            <ac:cxnSpMk id="16" creationId="{1FC6BEC3-D66C-4CAE-9B6F-0369BDA66379}"/>
-          </ac:cxnSpMkLst>
-        </pc:cxnChg>
-      </pc:sldChg>
-      <pc:sldChg chg="addSp delSp modSp new del mod">
-        <pc:chgData name="Cynthia Enciso" userId="7915927f-c5cf-4e1f-876d-e79882ad52fa" providerId="ADAL" clId="{ED60EBD3-90AC-49DF-9FC1-4EEE9F91A7A4}" dt="2021-05-11T14:17:39.877" v="131" actId="2696"/>
-        <pc:sldMkLst>
-          <pc:docMk/>
-          <pc:sldMk cId="1849037767" sldId="279"/>
-        </pc:sldMkLst>
-        <pc:spChg chg="del">
-          <ac:chgData name="Cynthia Enciso" userId="7915927f-c5cf-4e1f-876d-e79882ad52fa" providerId="ADAL" clId="{ED60EBD3-90AC-49DF-9FC1-4EEE9F91A7A4}" dt="2021-05-11T14:17:16.944" v="128" actId="478"/>
-          <ac:spMkLst>
-            <pc:docMk/>
-            <pc:sldMk cId="1849037767" sldId="279"/>
-            <ac:spMk id="3" creationId="{A5B01F7A-FCEF-4EE2-ACA7-D242BB0FFCB2}"/>
-          </ac:spMkLst>
-        </pc:spChg>
-        <pc:spChg chg="add del mod">
-          <ac:chgData name="Cynthia Enciso" userId="7915927f-c5cf-4e1f-876d-e79882ad52fa" providerId="ADAL" clId="{ED60EBD3-90AC-49DF-9FC1-4EEE9F91A7A4}" dt="2021-05-11T14:17:35.325" v="130" actId="478"/>
-          <ac:spMkLst>
-            <pc:docMk/>
-            <pc:sldMk cId="1849037767" sldId="279"/>
-            <ac:spMk id="5" creationId="{D82A3BF7-0535-4A43-8DAF-81AC5772F649}"/>
-          </ac:spMkLst>
-        </pc:spChg>
-        <pc:spChg chg="add mod">
-          <ac:chgData name="Cynthia Enciso" userId="7915927f-c5cf-4e1f-876d-e79882ad52fa" providerId="ADAL" clId="{ED60EBD3-90AC-49DF-9FC1-4EEE9F91A7A4}" dt="2021-05-11T14:17:22.108" v="129"/>
-          <ac:spMkLst>
-            <pc:docMk/>
-            <pc:sldMk cId="1849037767" sldId="279"/>
-            <ac:spMk id="6" creationId="{1DDAA484-418F-454D-B1D0-FF0E00D671B6}"/>
-          </ac:spMkLst>
-        </pc:spChg>
-        <pc:spChg chg="add mod">
-          <ac:chgData name="Cynthia Enciso" userId="7915927f-c5cf-4e1f-876d-e79882ad52fa" providerId="ADAL" clId="{ED60EBD3-90AC-49DF-9FC1-4EEE9F91A7A4}" dt="2021-05-11T14:17:22.108" v="129"/>
-          <ac:spMkLst>
-            <pc:docMk/>
-            <pc:sldMk cId="1849037767" sldId="279"/>
-            <ac:spMk id="7" creationId="{6B52A878-B9CA-4562-A5E8-EAD991073C43}"/>
-          </ac:spMkLst>
-        </pc:spChg>
-        <pc:spChg chg="add del mod">
-          <ac:chgData name="Cynthia Enciso" userId="7915927f-c5cf-4e1f-876d-e79882ad52fa" providerId="ADAL" clId="{ED60EBD3-90AC-49DF-9FC1-4EEE9F91A7A4}" dt="2021-05-11T14:17:35.325" v="130" actId="478"/>
-          <ac:spMkLst>
-            <pc:docMk/>
-            <pc:sldMk cId="1849037767" sldId="279"/>
-            <ac:spMk id="8" creationId="{4EEEBCD5-56FC-46A2-9626-02DAE31BF8D4}"/>
-          </ac:spMkLst>
-        </pc:spChg>
-        <pc:spChg chg="add del mod">
-          <ac:chgData name="Cynthia Enciso" userId="7915927f-c5cf-4e1f-876d-e79882ad52fa" providerId="ADAL" clId="{ED60EBD3-90AC-49DF-9FC1-4EEE9F91A7A4}" dt="2021-05-11T14:17:35.325" v="130" actId="478"/>
-          <ac:spMkLst>
-            <pc:docMk/>
-            <pc:sldMk cId="1849037767" sldId="279"/>
-            <ac:spMk id="9" creationId="{816DCB65-5A64-495A-8525-7AE1EC0029A7}"/>
-          </ac:spMkLst>
-        </pc:spChg>
-        <pc:spChg chg="add del mod">
-          <ac:chgData name="Cynthia Enciso" userId="7915927f-c5cf-4e1f-876d-e79882ad52fa" providerId="ADAL" clId="{ED60EBD3-90AC-49DF-9FC1-4EEE9F91A7A4}" dt="2021-05-11T14:17:35.325" v="130" actId="478"/>
-          <ac:spMkLst>
-            <pc:docMk/>
-            <pc:sldMk cId="1849037767" sldId="279"/>
-            <ac:spMk id="10" creationId="{EE02DE05-6102-414C-A54C-45698FF5C62E}"/>
-          </ac:spMkLst>
-        </pc:spChg>
-        <pc:spChg chg="add del mod">
-          <ac:chgData name="Cynthia Enciso" userId="7915927f-c5cf-4e1f-876d-e79882ad52fa" providerId="ADAL" clId="{ED60EBD3-90AC-49DF-9FC1-4EEE9F91A7A4}" dt="2021-05-11T14:17:35.325" v="130" actId="478"/>
-          <ac:spMkLst>
-            <pc:docMk/>
-            <pc:sldMk cId="1849037767" sldId="279"/>
-            <ac:spMk id="11" creationId="{CF032A19-1C10-4C73-9186-2838C6C4BE3D}"/>
-          </ac:spMkLst>
-        </pc:spChg>
-        <pc:spChg chg="add del mod">
-          <ac:chgData name="Cynthia Enciso" userId="7915927f-c5cf-4e1f-876d-e79882ad52fa" providerId="ADAL" clId="{ED60EBD3-90AC-49DF-9FC1-4EEE9F91A7A4}" dt="2021-05-11T14:17:35.325" v="130" actId="478"/>
-          <ac:spMkLst>
-            <pc:docMk/>
-            <pc:sldMk cId="1849037767" sldId="279"/>
-            <ac:spMk id="12" creationId="{AED96DB5-59BB-4B28-9EF1-BD7BA7C5C6B1}"/>
-          </ac:spMkLst>
-        </pc:spChg>
-        <pc:spChg chg="add del mod">
-          <ac:chgData name="Cynthia Enciso" userId="7915927f-c5cf-4e1f-876d-e79882ad52fa" providerId="ADAL" clId="{ED60EBD3-90AC-49DF-9FC1-4EEE9F91A7A4}" dt="2021-05-11T14:17:35.325" v="130" actId="478"/>
-          <ac:spMkLst>
-            <pc:docMk/>
-            <pc:sldMk cId="1849037767" sldId="279"/>
-            <ac:spMk id="13" creationId="{BB3C5705-B3ED-4C21-8CE6-A02DF9FAACAF}"/>
-          </ac:spMkLst>
-        </pc:spChg>
-        <pc:cxnChg chg="add del mod">
-          <ac:chgData name="Cynthia Enciso" userId="7915927f-c5cf-4e1f-876d-e79882ad52fa" providerId="ADAL" clId="{ED60EBD3-90AC-49DF-9FC1-4EEE9F91A7A4}" dt="2021-05-11T14:17:35.325" v="130" actId="478"/>
-          <ac:cxnSpMkLst>
-            <pc:docMk/>
-            <pc:sldMk cId="1849037767" sldId="279"/>
-            <ac:cxnSpMk id="14" creationId="{7AC7D2F9-D07A-475A-98C3-4CE967BC292E}"/>
-          </ac:cxnSpMkLst>
-        </pc:cxnChg>
-        <pc:cxnChg chg="add del mod">
-          <ac:chgData name="Cynthia Enciso" userId="7915927f-c5cf-4e1f-876d-e79882ad52fa" providerId="ADAL" clId="{ED60EBD3-90AC-49DF-9FC1-4EEE9F91A7A4}" dt="2021-05-11T14:17:35.325" v="130" actId="478"/>
-          <ac:cxnSpMkLst>
-            <pc:docMk/>
-            <pc:sldMk cId="1849037767" sldId="279"/>
-            <ac:cxnSpMk id="15" creationId="{D8D617E4-D6AA-4D0D-A505-782E4C4C47E5}"/>
-          </ac:cxnSpMkLst>
-        </pc:cxnChg>
-      </pc:sldChg>
-      <pc:sldChg chg="addSp delSp modSp new mod">
-        <pc:chgData name="Cynthia Enciso" userId="7915927f-c5cf-4e1f-876d-e79882ad52fa" providerId="ADAL" clId="{ED60EBD3-90AC-49DF-9FC1-4EEE9F91A7A4}" dt="2021-05-11T21:22:14.441" v="803" actId="20577"/>
-        <pc:sldMkLst>
-          <pc:docMk/>
-          <pc:sldMk cId="3546549088" sldId="279"/>
-        </pc:sldMkLst>
-        <pc:spChg chg="del">
-          <ac:chgData name="Cynthia Enciso" userId="7915927f-c5cf-4e1f-876d-e79882ad52fa" providerId="ADAL" clId="{ED60EBD3-90AC-49DF-9FC1-4EEE9F91A7A4}" dt="2021-05-11T14:19:00.685" v="133" actId="478"/>
-          <ac:spMkLst>
-            <pc:docMk/>
-            <pc:sldMk cId="3546549088" sldId="279"/>
-            <ac:spMk id="3" creationId="{390A5EF9-B584-4529-A566-F8005DD33846}"/>
-          </ac:spMkLst>
-        </pc:spChg>
-        <pc:spChg chg="add mod">
-          <ac:chgData name="Cynthia Enciso" userId="7915927f-c5cf-4e1f-876d-e79882ad52fa" providerId="ADAL" clId="{ED60EBD3-90AC-49DF-9FC1-4EEE9F91A7A4}" dt="2021-05-11T14:23:03.876" v="275" actId="1076"/>
-          <ac:spMkLst>
-            <pc:docMk/>
-            <pc:sldMk cId="3546549088" sldId="279"/>
-            <ac:spMk id="5" creationId="{D3473C4C-285D-4255-B8C8-103EECD1959B}"/>
-          </ac:spMkLst>
-        </pc:spChg>
-        <pc:spChg chg="add mod">
-          <ac:chgData name="Cynthia Enciso" userId="7915927f-c5cf-4e1f-876d-e79882ad52fa" providerId="ADAL" clId="{ED60EBD3-90AC-49DF-9FC1-4EEE9F91A7A4}" dt="2021-05-11T21:19:43.261" v="801" actId="20578"/>
-          <ac:spMkLst>
-            <pc:docMk/>
-            <pc:sldMk cId="3546549088" sldId="279"/>
-            <ac:spMk id="6" creationId="{69FA37D9-1DC2-45F4-AE5C-95ED6052DBA1}"/>
-          </ac:spMkLst>
-        </pc:spChg>
-        <pc:spChg chg="add mod">
-          <ac:chgData name="Cynthia Enciso" userId="7915927f-c5cf-4e1f-876d-e79882ad52fa" providerId="ADAL" clId="{ED60EBD3-90AC-49DF-9FC1-4EEE9F91A7A4}" dt="2021-05-11T14:50:15.340" v="596" actId="20577"/>
-          <ac:spMkLst>
-            <pc:docMk/>
-            <pc:sldMk cId="3546549088" sldId="279"/>
-            <ac:spMk id="7" creationId="{35CE87E0-2A5E-43C1-AC1C-46EEE6C61513}"/>
-          </ac:spMkLst>
-        </pc:spChg>
-        <pc:spChg chg="add mod">
-          <ac:chgData name="Cynthia Enciso" userId="7915927f-c5cf-4e1f-876d-e79882ad52fa" providerId="ADAL" clId="{ED60EBD3-90AC-49DF-9FC1-4EEE9F91A7A4}" dt="2021-05-11T21:22:14.441" v="803" actId="20577"/>
-          <ac:spMkLst>
-            <pc:docMk/>
-            <pc:sldMk cId="3546549088" sldId="279"/>
-            <ac:spMk id="9" creationId="{713B55F1-7E96-485A-A35D-8A02F7001932}"/>
-          </ac:spMkLst>
-        </pc:spChg>
-        <pc:spChg chg="add mod">
-          <ac:chgData name="Cynthia Enciso" userId="7915927f-c5cf-4e1f-876d-e79882ad52fa" providerId="ADAL" clId="{ED60EBD3-90AC-49DF-9FC1-4EEE9F91A7A4}" dt="2021-05-11T14:23:05.862" v="276" actId="1076"/>
-          <ac:spMkLst>
-            <pc:docMk/>
-            <pc:sldMk cId="3546549088" sldId="279"/>
-            <ac:spMk id="11" creationId="{304A5ECF-1BC2-4E9B-B0F9-DC5D63B3BC8F}"/>
-          </ac:spMkLst>
-        </pc:spChg>
-        <pc:spChg chg="add mod">
-          <ac:chgData name="Cynthia Enciso" userId="7915927f-c5cf-4e1f-876d-e79882ad52fa" providerId="ADAL" clId="{ED60EBD3-90AC-49DF-9FC1-4EEE9F91A7A4}" dt="2021-05-11T21:19:45.813" v="802" actId="1076"/>
-          <ac:spMkLst>
-            <pc:docMk/>
-            <pc:sldMk cId="3546549088" sldId="279"/>
-            <ac:spMk id="12" creationId="{45D8670F-86B7-4EC9-8CDF-65303ECC2EA4}"/>
-          </ac:spMkLst>
-        </pc:spChg>
-        <pc:spChg chg="add del mod">
-          <ac:chgData name="Cynthia Enciso" userId="7915927f-c5cf-4e1f-876d-e79882ad52fa" providerId="ADAL" clId="{ED60EBD3-90AC-49DF-9FC1-4EEE9F91A7A4}" dt="2021-05-11T15:16:11.215" v="622" actId="21"/>
-          <ac:spMkLst>
-            <pc:docMk/>
-            <pc:sldMk cId="3546549088" sldId="279"/>
-            <ac:spMk id="13" creationId="{D4FEBEFC-844F-464E-98DF-E634CB78F41A}"/>
-          </ac:spMkLst>
-        </pc:spChg>
-      </pc:sldChg>
-      <pc:sldChg chg="addSp delSp modSp new del mod">
-        <pc:chgData name="Cynthia Enciso" userId="7915927f-c5cf-4e1f-876d-e79882ad52fa" providerId="ADAL" clId="{ED60EBD3-90AC-49DF-9FC1-4EEE9F91A7A4}" dt="2021-05-11T14:49:47.256" v="594" actId="47"/>
-        <pc:sldMkLst>
-          <pc:docMk/>
-          <pc:sldMk cId="1701855086" sldId="280"/>
-        </pc:sldMkLst>
-        <pc:spChg chg="del">
-          <ac:chgData name="Cynthia Enciso" userId="7915927f-c5cf-4e1f-876d-e79882ad52fa" providerId="ADAL" clId="{ED60EBD3-90AC-49DF-9FC1-4EEE9F91A7A4}" dt="2021-05-11T14:27:22.426" v="309" actId="478"/>
-          <ac:spMkLst>
-            <pc:docMk/>
-            <pc:sldMk cId="1701855086" sldId="280"/>
-            <ac:spMk id="3" creationId="{59DEC80E-3EB3-451C-811F-BC970919FB6B}"/>
-          </ac:spMkLst>
-        </pc:spChg>
-        <pc:spChg chg="add mod">
-          <ac:chgData name="Cynthia Enciso" userId="7915927f-c5cf-4e1f-876d-e79882ad52fa" providerId="ADAL" clId="{ED60EBD3-90AC-49DF-9FC1-4EEE9F91A7A4}" dt="2021-05-11T14:35:33.802" v="570" actId="14100"/>
-          <ac:spMkLst>
-            <pc:docMk/>
-            <pc:sldMk cId="1701855086" sldId="280"/>
-            <ac:spMk id="5" creationId="{C1AF383A-9424-43F8-8C4D-369C748DC9A6}"/>
-          </ac:spMkLst>
-        </pc:spChg>
-        <pc:spChg chg="add mod">
-          <ac:chgData name="Cynthia Enciso" userId="7915927f-c5cf-4e1f-876d-e79882ad52fa" providerId="ADAL" clId="{ED60EBD3-90AC-49DF-9FC1-4EEE9F91A7A4}" dt="2021-05-11T14:35:33.802" v="570" actId="14100"/>
-          <ac:spMkLst>
-            <pc:docMk/>
-            <pc:sldMk cId="1701855086" sldId="280"/>
-            <ac:spMk id="6" creationId="{E0BC7619-A425-4A92-B339-4FC362C7C9EF}"/>
-          </ac:spMkLst>
-        </pc:spChg>
-        <pc:spChg chg="add del mod">
-          <ac:chgData name="Cynthia Enciso" userId="7915927f-c5cf-4e1f-876d-e79882ad52fa" providerId="ADAL" clId="{ED60EBD3-90AC-49DF-9FC1-4EEE9F91A7A4}" dt="2021-05-11T14:33:49.518" v="515" actId="478"/>
-          <ac:spMkLst>
-            <pc:docMk/>
-            <pc:sldMk cId="1701855086" sldId="280"/>
-            <ac:spMk id="7" creationId="{64764DB5-DA90-4454-BFF4-4BFE4104A2B7}"/>
-          </ac:spMkLst>
-        </pc:spChg>
-        <pc:spChg chg="add del mod topLvl">
-          <ac:chgData name="Cynthia Enciso" userId="7915927f-c5cf-4e1f-876d-e79882ad52fa" providerId="ADAL" clId="{ED60EBD3-90AC-49DF-9FC1-4EEE9F91A7A4}" dt="2021-05-11T14:49:45.645" v="593" actId="478"/>
-          <ac:spMkLst>
-            <pc:docMk/>
-            <pc:sldMk cId="1701855086" sldId="280"/>
-            <ac:spMk id="8" creationId="{54059B98-7A9B-4575-915F-F8803862DB82}"/>
-          </ac:spMkLst>
-        </pc:spChg>
-        <pc:spChg chg="add del mod topLvl">
-          <ac:chgData name="Cynthia Enciso" userId="7915927f-c5cf-4e1f-876d-e79882ad52fa" providerId="ADAL" clId="{ED60EBD3-90AC-49DF-9FC1-4EEE9F91A7A4}" dt="2021-05-11T14:36:00.842" v="575" actId="478"/>
-          <ac:spMkLst>
-            <pc:docMk/>
-            <pc:sldMk cId="1701855086" sldId="280"/>
-            <ac:spMk id="9" creationId="{1CA03CE3-B2F3-4F91-839D-385E7644E4DD}"/>
-          </ac:spMkLst>
-        </pc:spChg>
-        <pc:spChg chg="mod">
-          <ac:chgData name="Cynthia Enciso" userId="7915927f-c5cf-4e1f-876d-e79882ad52fa" providerId="ADAL" clId="{ED60EBD3-90AC-49DF-9FC1-4EEE9F91A7A4}" dt="2021-05-11T14:34:49.584" v="536" actId="571"/>
-          <ac:spMkLst>
-            <pc:docMk/>
-            <pc:sldMk cId="1701855086" sldId="280"/>
-            <ac:spMk id="13" creationId="{B9D27E03-B12D-4AE9-91CF-CC0A2A98A719}"/>
-          </ac:spMkLst>
-        </pc:spChg>
-        <pc:spChg chg="mod">
-          <ac:chgData name="Cynthia Enciso" userId="7915927f-c5cf-4e1f-876d-e79882ad52fa" providerId="ADAL" clId="{ED60EBD3-90AC-49DF-9FC1-4EEE9F91A7A4}" dt="2021-05-11T14:34:49.584" v="536" actId="571"/>
-          <ac:spMkLst>
-            <pc:docMk/>
-            <pc:sldMk cId="1701855086" sldId="280"/>
-            <ac:spMk id="14" creationId="{0D365DC7-2F2F-423B-8105-807AE13EC8E3}"/>
-          </ac:spMkLst>
-        </pc:spChg>
-        <pc:spChg chg="add mod">
-          <ac:chgData name="Cynthia Enciso" userId="7915927f-c5cf-4e1f-876d-e79882ad52fa" providerId="ADAL" clId="{ED60EBD3-90AC-49DF-9FC1-4EEE9F91A7A4}" dt="2021-05-11T14:36:30.787" v="589" actId="1076"/>
-          <ac:spMkLst>
-            <pc:docMk/>
-            <pc:sldMk cId="1701855086" sldId="280"/>
-            <ac:spMk id="15" creationId="{E6A96F14-8E88-4926-9D7A-E3A25F1887EC}"/>
-          </ac:spMkLst>
-        </pc:spChg>
-        <pc:grpChg chg="add del mod">
-          <ac:chgData name="Cynthia Enciso" userId="7915927f-c5cf-4e1f-876d-e79882ad52fa" providerId="ADAL" clId="{ED60EBD3-90AC-49DF-9FC1-4EEE9F91A7A4}" dt="2021-05-11T14:34:34.449" v="529" actId="165"/>
-          <ac:grpSpMkLst>
-            <pc:docMk/>
-            <pc:sldMk cId="1701855086" sldId="280"/>
-            <ac:grpSpMk id="10" creationId="{EE169C50-F455-4BF2-8E9D-3C739535E63D}"/>
-          </ac:grpSpMkLst>
-        </pc:grpChg>
-        <pc:grpChg chg="add del mod">
-          <ac:chgData name="Cynthia Enciso" userId="7915927f-c5cf-4e1f-876d-e79882ad52fa" providerId="ADAL" clId="{ED60EBD3-90AC-49DF-9FC1-4EEE9F91A7A4}" dt="2021-05-11T14:35:58.010" v="574" actId="165"/>
-          <ac:grpSpMkLst>
-            <pc:docMk/>
-            <pc:sldMk cId="1701855086" sldId="280"/>
-            <ac:grpSpMk id="11" creationId="{CCA5A781-A4B4-407F-AE9B-794BE57F2B14}"/>
-          </ac:grpSpMkLst>
-        </pc:grpChg>
-        <pc:grpChg chg="add mod">
-          <ac:chgData name="Cynthia Enciso" userId="7915927f-c5cf-4e1f-876d-e79882ad52fa" providerId="ADAL" clId="{ED60EBD3-90AC-49DF-9FC1-4EEE9F91A7A4}" dt="2021-05-11T14:34:49.584" v="536" actId="571"/>
-          <ac:grpSpMkLst>
-            <pc:docMk/>
-            <pc:sldMk cId="1701855086" sldId="280"/>
-            <ac:grpSpMk id="12" creationId="{11874C69-A657-4C86-BB89-A82F8EA5DFBE}"/>
-          </ac:grpSpMkLst>
-        </pc:grpChg>
       </pc:sldChg>
     </pc:docChg>
   </pc:docChgLst>
@@ -34640,7 +34640,7 @@
         <p:spPr>
           <a:xfrm>
             <a:off x="159572" y="4711577"/>
-            <a:ext cx="8824856" cy="2462213"/>
+            <a:ext cx="8824856" cy="2031325"/>
           </a:xfrm>
           <a:prstGeom prst="rect">
             <a:avLst/>
@@ -34790,17 +34790,7 @@
               <a:rPr lang="en-US" dirty="0"/>
               <a:t>();</a:t>
             </a:r>
-          </a:p>
-          <a:p>
             <a:endParaRPr lang="en-US" b="1" dirty="0"/>
-          </a:p>
-          <a:p>
-            <a:endParaRPr lang="en-US" sz="1400" b="1" dirty="0">
-              <a:latin typeface="+mj-lt"/>
-              <a:ea typeface="Courier New"/>
-              <a:cs typeface="Courier New"/>
-              <a:sym typeface="Courier New"/>
-            </a:endParaRPr>
           </a:p>
         </p:txBody>
       </p:sp>
@@ -42327,8 +42317,8 @@
         </p:nvSpPr>
         <p:spPr>
           <a:xfrm>
-            <a:off x="106267" y="5463034"/>
-            <a:ext cx="7935186" cy="1815882"/>
+            <a:off x="71716" y="5365415"/>
+            <a:ext cx="7895110" cy="1384995"/>
           </a:xfrm>
           <a:prstGeom prst="rect">
             <a:avLst/>
@@ -42369,12 +42359,6 @@
               <a:rPr lang="en-US" b="1" dirty="0"/>
               <a:t>// the dog2 reference variable can access bark() only (click on the reference variable!)</a:t>
             </a:r>
-          </a:p>
-          <a:p>
-            <a:endParaRPr lang="en-US" b="1" dirty="0"/>
-          </a:p>
-          <a:p>
-            <a:endParaRPr lang="en-US" b="1" dirty="0"/>
           </a:p>
         </p:txBody>
       </p:sp>

--- a/revised-ppts/Day 14 PPT.pptx
+++ b/revised-ppts/Day 14 PPT.pptx
@@ -383,6 +383,7 @@
 <p1510:revInfo xmlns:a="http://schemas.openxmlformats.org/drawingml/2006/main" xmlns:r="http://schemas.openxmlformats.org/officeDocument/2006/relationships" xmlns:p1510="http://schemas.microsoft.com/office/powerpoint/2015/10/main">
   <p1510:revLst>
     <p1510:client id="{406D9A5D-CD57-49F6-A3C2-E180543E482D}" v="2511" dt="2021-12-08T18:26:56.554"/>
+    <p1510:client id="{78011789-BA49-326E-6116-58AF200A6C0E}" v="3" dt="2021-12-24T16:46:30.974"/>
   </p1510:revLst>
 </p1510:revInfo>
 </file>
@@ -865,6 +866,30 @@
             <ac:grpSpMk id="12" creationId="{11874C69-A657-4C86-BB89-A82F8EA5DFBE}"/>
           </ac:grpSpMkLst>
         </pc:grpChg>
+      </pc:sldChg>
+    </pc:docChg>
+  </pc:docChgLst>
+  <pc:docChgLst>
+    <pc:chgData name="Joseph Highe" userId="S::joseph.highe@revature.com::955b9bf1-2fc3-425c-bb80-056211376f04" providerId="AD" clId="Web-{78011789-BA49-326E-6116-58AF200A6C0E}"/>
+    <pc:docChg chg="modSld">
+      <pc:chgData name="Joseph Highe" userId="S::joseph.highe@revature.com::955b9bf1-2fc3-425c-bb80-056211376f04" providerId="AD" clId="Web-{78011789-BA49-326E-6116-58AF200A6C0E}" dt="2021-12-24T16:46:30.974" v="2" actId="20577"/>
+      <pc:docMkLst>
+        <pc:docMk/>
+      </pc:docMkLst>
+      <pc:sldChg chg="modSp">
+        <pc:chgData name="Joseph Highe" userId="S::joseph.highe@revature.com::955b9bf1-2fc3-425c-bb80-056211376f04" providerId="AD" clId="Web-{78011789-BA49-326E-6116-58AF200A6C0E}" dt="2021-12-24T16:46:30.974" v="2" actId="20577"/>
+        <pc:sldMkLst>
+          <pc:docMk/>
+          <pc:sldMk cId="0" sldId="259"/>
+        </pc:sldMkLst>
+        <pc:spChg chg="mod">
+          <ac:chgData name="Joseph Highe" userId="S::joseph.highe@revature.com::955b9bf1-2fc3-425c-bb80-056211376f04" providerId="AD" clId="Web-{78011789-BA49-326E-6116-58AF200A6C0E}" dt="2021-12-24T16:46:30.974" v="2" actId="20577"/>
+          <ac:spMkLst>
+            <pc:docMk/>
+            <pc:sldMk cId="0" sldId="259"/>
+            <ac:spMk id="233" creationId="{00000000-0000-0000-0000-000000000000}"/>
+          </ac:spMkLst>
+        </pc:spChg>
       </pc:sldChg>
     </pc:docChg>
   </pc:docChgLst>
@@ -34640,7 +34665,7 @@
         <p:spPr>
           <a:xfrm>
             <a:off x="159572" y="4711577"/>
-            <a:ext cx="8824856" cy="2031325"/>
+            <a:ext cx="8824856" cy="2462213"/>
           </a:xfrm>
           <a:prstGeom prst="rect">
             <a:avLst/>
@@ -34790,7 +34815,17 @@
               <a:rPr lang="en-US" dirty="0"/>
               <a:t>();</a:t>
             </a:r>
+          </a:p>
+          <a:p>
             <a:endParaRPr lang="en-US" b="1" dirty="0"/>
+          </a:p>
+          <a:p>
+            <a:endParaRPr lang="en-US" sz="1400" b="1" dirty="0">
+              <a:latin typeface="+mj-lt"/>
+              <a:ea typeface="Courier New"/>
+              <a:cs typeface="Courier New"/>
+              <a:sym typeface="Courier New"/>
+            </a:endParaRPr>
           </a:p>
         </p:txBody>
       </p:sp>
@@ -41856,7 +41891,11 @@
             </a:r>
             <a:r>
               <a:rPr lang="en-US" dirty="0"/>
-              <a:t> reference variable but assigning it </a:t>
+              <a:t> reference </a:t>
+            </a:r>
+            <a:r>
+              <a:rPr lang="en-US"/>
+              <a:t>variable but assigning it to a </a:t>
             </a:r>
             <a:r>
               <a:rPr lang="en-US" b="1" dirty="0"/>
@@ -42317,8 +42356,8 @@
         </p:nvSpPr>
         <p:spPr>
           <a:xfrm>
-            <a:off x="71716" y="5365415"/>
-            <a:ext cx="7895110" cy="1384995"/>
+            <a:off x="106267" y="5463034"/>
+            <a:ext cx="7935186" cy="1815882"/>
           </a:xfrm>
           <a:prstGeom prst="rect">
             <a:avLst/>
@@ -42359,6 +42398,12 @@
               <a:rPr lang="en-US" b="1" dirty="0"/>
               <a:t>// the dog2 reference variable can access bark() only (click on the reference variable!)</a:t>
             </a:r>
+          </a:p>
+          <a:p>
+            <a:endParaRPr lang="en-US" b="1" dirty="0"/>
+          </a:p>
+          <a:p>
+            <a:endParaRPr lang="en-US" b="1" dirty="0"/>
           </a:p>
         </p:txBody>
       </p:sp>

--- a/revised-ppts/Day 14 PPT.pptx
+++ b/revised-ppts/Day 14 PPT.pptx
@@ -382,8 +382,7 @@
 <file path=ppt/revisionInfo.xml><?xml version="1.0" encoding="utf-8"?>
 <p1510:revInfo xmlns:a="http://schemas.openxmlformats.org/drawingml/2006/main" xmlns:r="http://schemas.openxmlformats.org/officeDocument/2006/relationships" xmlns:p1510="http://schemas.microsoft.com/office/powerpoint/2015/10/main">
   <p1510:revLst>
-    <p1510:client id="{406D9A5D-CD57-49F6-A3C2-E180543E482D}" v="2511" dt="2021-12-08T18:26:56.554"/>
-    <p1510:client id="{78011789-BA49-326E-6116-58AF200A6C0E}" v="3" dt="2021-12-24T16:46:30.974"/>
+    <p1510:client id="{FD00A46F-670A-43B4-B59E-8E67021A086F}" v="2" dt="2022-02-01T22:54:01.891"/>
   </p1510:revLst>
 </p1510:revInfo>
 </file>
@@ -1085,6 +1084,516 @@
             <pc:docMk/>
             <pc:sldMk cId="3038891659" sldId="280"/>
             <ac:spMk id="3" creationId="{4A99C0C4-D732-41ED-8554-14713CDC53D6}"/>
+          </ac:spMkLst>
+        </pc:spChg>
+      </pc:sldChg>
+    </pc:docChg>
+  </pc:docChgLst>
+  <pc:docChgLst>
+    <pc:chgData name="Cynthia Enciso" userId="7915927f-c5cf-4e1f-876d-e79882ad52fa" providerId="ADAL" clId="{8C77B812-4FE7-422B-970B-CDB55EF74933}"/>
+    <pc:docChg chg="undo custSel addSld delSld modSld sldOrd">
+      <pc:chgData name="Cynthia Enciso" userId="7915927f-c5cf-4e1f-876d-e79882ad52fa" providerId="ADAL" clId="{8C77B812-4FE7-422B-970B-CDB55EF74933}" dt="2021-10-26T21:13:32.975" v="1424" actId="20577"/>
+      <pc:docMkLst>
+        <pc:docMk/>
+      </pc:docMkLst>
+      <pc:sldChg chg="modSp mod modAnim">
+        <pc:chgData name="Cynthia Enciso" userId="7915927f-c5cf-4e1f-876d-e79882ad52fa" providerId="ADAL" clId="{8C77B812-4FE7-422B-970B-CDB55EF74933}" dt="2021-10-26T20:32:36.190" v="1400" actId="14"/>
+        <pc:sldMkLst>
+          <pc:docMk/>
+          <pc:sldMk cId="0" sldId="257"/>
+        </pc:sldMkLst>
+        <pc:spChg chg="mod">
+          <ac:chgData name="Cynthia Enciso" userId="7915927f-c5cf-4e1f-876d-e79882ad52fa" providerId="ADAL" clId="{8C77B812-4FE7-422B-970B-CDB55EF74933}" dt="2021-10-26T20:32:36.190" v="1400" actId="14"/>
+          <ac:spMkLst>
+            <pc:docMk/>
+            <pc:sldMk cId="0" sldId="257"/>
+            <ac:spMk id="219" creationId="{00000000-0000-0000-0000-000000000000}"/>
+          </ac:spMkLst>
+        </pc:spChg>
+      </pc:sldChg>
+      <pc:sldChg chg="modSp mod">
+        <pc:chgData name="Cynthia Enciso" userId="7915927f-c5cf-4e1f-876d-e79882ad52fa" providerId="ADAL" clId="{8C77B812-4FE7-422B-970B-CDB55EF74933}" dt="2021-08-10T19:33:12.226" v="110" actId="20577"/>
+        <pc:sldMkLst>
+          <pc:docMk/>
+          <pc:sldMk cId="0" sldId="259"/>
+        </pc:sldMkLst>
+        <pc:spChg chg="mod">
+          <ac:chgData name="Cynthia Enciso" userId="7915927f-c5cf-4e1f-876d-e79882ad52fa" providerId="ADAL" clId="{8C77B812-4FE7-422B-970B-CDB55EF74933}" dt="2021-08-10T19:33:12.226" v="110" actId="20577"/>
+          <ac:spMkLst>
+            <pc:docMk/>
+            <pc:sldMk cId="0" sldId="259"/>
+            <ac:spMk id="233" creationId="{00000000-0000-0000-0000-000000000000}"/>
+          </ac:spMkLst>
+        </pc:spChg>
+      </pc:sldChg>
+      <pc:sldChg chg="add del">
+        <pc:chgData name="Cynthia Enciso" userId="7915927f-c5cf-4e1f-876d-e79882ad52fa" providerId="ADAL" clId="{8C77B812-4FE7-422B-970B-CDB55EF74933}" dt="2021-09-21T22:26:11.683" v="1351" actId="47"/>
+        <pc:sldMkLst>
+          <pc:docMk/>
+          <pc:sldMk cId="0" sldId="261"/>
+        </pc:sldMkLst>
+      </pc:sldChg>
+      <pc:sldChg chg="modSp modAnim">
+        <pc:chgData name="Cynthia Enciso" userId="7915927f-c5cf-4e1f-876d-e79882ad52fa" providerId="ADAL" clId="{8C77B812-4FE7-422B-970B-CDB55EF74933}" dt="2021-09-21T20:31:50.613" v="1173" actId="2711"/>
+        <pc:sldMkLst>
+          <pc:docMk/>
+          <pc:sldMk cId="0" sldId="262"/>
+        </pc:sldMkLst>
+        <pc:spChg chg="mod">
+          <ac:chgData name="Cynthia Enciso" userId="7915927f-c5cf-4e1f-876d-e79882ad52fa" providerId="ADAL" clId="{8C77B812-4FE7-422B-970B-CDB55EF74933}" dt="2021-09-21T20:31:50.613" v="1173" actId="2711"/>
+          <ac:spMkLst>
+            <pc:docMk/>
+            <pc:sldMk cId="0" sldId="262"/>
+            <ac:spMk id="254" creationId="{00000000-0000-0000-0000-000000000000}"/>
+          </ac:spMkLst>
+        </pc:spChg>
+      </pc:sldChg>
+      <pc:sldChg chg="modSp">
+        <pc:chgData name="Cynthia Enciso" userId="7915927f-c5cf-4e1f-876d-e79882ad52fa" providerId="ADAL" clId="{8C77B812-4FE7-422B-970B-CDB55EF74933}" dt="2021-08-10T20:20:28.905" v="177" actId="20577"/>
+        <pc:sldMkLst>
+          <pc:docMk/>
+          <pc:sldMk cId="0" sldId="263"/>
+        </pc:sldMkLst>
+        <pc:spChg chg="mod">
+          <ac:chgData name="Cynthia Enciso" userId="7915927f-c5cf-4e1f-876d-e79882ad52fa" providerId="ADAL" clId="{8C77B812-4FE7-422B-970B-CDB55EF74933}" dt="2021-08-10T20:20:28.905" v="177" actId="20577"/>
+          <ac:spMkLst>
+            <pc:docMk/>
+            <pc:sldMk cId="0" sldId="263"/>
+            <ac:spMk id="261" creationId="{00000000-0000-0000-0000-000000000000}"/>
+          </ac:spMkLst>
+        </pc:spChg>
+      </pc:sldChg>
+      <pc:sldChg chg="modSp">
+        <pc:chgData name="Cynthia Enciso" userId="7915927f-c5cf-4e1f-876d-e79882ad52fa" providerId="ADAL" clId="{8C77B812-4FE7-422B-970B-CDB55EF74933}" dt="2021-08-10T20:23:51.162" v="188" actId="113"/>
+        <pc:sldMkLst>
+          <pc:docMk/>
+          <pc:sldMk cId="0" sldId="268"/>
+        </pc:sldMkLst>
+        <pc:spChg chg="mod">
+          <ac:chgData name="Cynthia Enciso" userId="7915927f-c5cf-4e1f-876d-e79882ad52fa" providerId="ADAL" clId="{8C77B812-4FE7-422B-970B-CDB55EF74933}" dt="2021-08-10T20:23:51.162" v="188" actId="113"/>
+          <ac:spMkLst>
+            <pc:docMk/>
+            <pc:sldMk cId="0" sldId="268"/>
+            <ac:spMk id="296" creationId="{00000000-0000-0000-0000-000000000000}"/>
+          </ac:spMkLst>
+        </pc:spChg>
+      </pc:sldChg>
+      <pc:sldChg chg="modSp mod modAnim">
+        <pc:chgData name="Cynthia Enciso" userId="7915927f-c5cf-4e1f-876d-e79882ad52fa" providerId="ADAL" clId="{8C77B812-4FE7-422B-970B-CDB55EF74933}" dt="2021-09-21T20:57:31.695" v="1297" actId="20577"/>
+        <pc:sldMkLst>
+          <pc:docMk/>
+          <pc:sldMk cId="0" sldId="272"/>
+        </pc:sldMkLst>
+        <pc:spChg chg="mod">
+          <ac:chgData name="Cynthia Enciso" userId="7915927f-c5cf-4e1f-876d-e79882ad52fa" providerId="ADAL" clId="{8C77B812-4FE7-422B-970B-CDB55EF74933}" dt="2021-09-21T20:57:31.695" v="1297" actId="20577"/>
+          <ac:spMkLst>
+            <pc:docMk/>
+            <pc:sldMk cId="0" sldId="272"/>
+            <ac:spMk id="233" creationId="{00000000-0000-0000-0000-000000000000}"/>
+          </ac:spMkLst>
+        </pc:spChg>
+      </pc:sldChg>
+      <pc:sldChg chg="modSp mod">
+        <pc:chgData name="Cynthia Enciso" userId="7915927f-c5cf-4e1f-876d-e79882ad52fa" providerId="ADAL" clId="{8C77B812-4FE7-422B-970B-CDB55EF74933}" dt="2021-09-21T21:57:01.236" v="1350" actId="20577"/>
+        <pc:sldMkLst>
+          <pc:docMk/>
+          <pc:sldMk cId="2546056288" sldId="274"/>
+        </pc:sldMkLst>
+        <pc:spChg chg="mod">
+          <ac:chgData name="Cynthia Enciso" userId="7915927f-c5cf-4e1f-876d-e79882ad52fa" providerId="ADAL" clId="{8C77B812-4FE7-422B-970B-CDB55EF74933}" dt="2021-09-21T21:57:01.236" v="1350" actId="20577"/>
+          <ac:spMkLst>
+            <pc:docMk/>
+            <pc:sldMk cId="2546056288" sldId="274"/>
+            <ac:spMk id="9" creationId="{8DCC4198-E08D-4604-B165-0E6553F9902B}"/>
+          </ac:spMkLst>
+        </pc:spChg>
+      </pc:sldChg>
+      <pc:sldChg chg="modSp mod">
+        <pc:chgData name="Cynthia Enciso" userId="7915927f-c5cf-4e1f-876d-e79882ad52fa" providerId="ADAL" clId="{8C77B812-4FE7-422B-970B-CDB55EF74933}" dt="2021-08-10T19:33:58.824" v="112" actId="20577"/>
+        <pc:sldMkLst>
+          <pc:docMk/>
+          <pc:sldMk cId="3982709447" sldId="275"/>
+        </pc:sldMkLst>
+        <pc:spChg chg="mod">
+          <ac:chgData name="Cynthia Enciso" userId="7915927f-c5cf-4e1f-876d-e79882ad52fa" providerId="ADAL" clId="{8C77B812-4FE7-422B-970B-CDB55EF74933}" dt="2021-08-10T19:33:58.824" v="112" actId="20577"/>
+          <ac:spMkLst>
+            <pc:docMk/>
+            <pc:sldMk cId="3982709447" sldId="275"/>
+            <ac:spMk id="233" creationId="{00000000-0000-0000-0000-000000000000}"/>
+          </ac:spMkLst>
+        </pc:spChg>
+      </pc:sldChg>
+      <pc:sldChg chg="modSp del mod">
+        <pc:chgData name="Cynthia Enciso" userId="7915927f-c5cf-4e1f-876d-e79882ad52fa" providerId="ADAL" clId="{8C77B812-4FE7-422B-970B-CDB55EF74933}" dt="2021-09-14T19:45:26.643" v="1008" actId="47"/>
+        <pc:sldMkLst>
+          <pc:docMk/>
+          <pc:sldMk cId="111416777" sldId="278"/>
+        </pc:sldMkLst>
+        <pc:spChg chg="mod">
+          <ac:chgData name="Cynthia Enciso" userId="7915927f-c5cf-4e1f-876d-e79882ad52fa" providerId="ADAL" clId="{8C77B812-4FE7-422B-970B-CDB55EF74933}" dt="2021-09-14T19:45:11.028" v="1006" actId="1076"/>
+          <ac:spMkLst>
+            <pc:docMk/>
+            <pc:sldMk cId="111416777" sldId="278"/>
+            <ac:spMk id="3" creationId="{693CCB9D-7A32-438E-8BB4-BAD63D54CFBD}"/>
+          </ac:spMkLst>
+        </pc:spChg>
+        <pc:spChg chg="mod">
+          <ac:chgData name="Cynthia Enciso" userId="7915927f-c5cf-4e1f-876d-e79882ad52fa" providerId="ADAL" clId="{8C77B812-4FE7-422B-970B-CDB55EF74933}" dt="2021-09-14T19:45:13.985" v="1007" actId="1076"/>
+          <ac:spMkLst>
+            <pc:docMk/>
+            <pc:sldMk cId="111416777" sldId="278"/>
+            <ac:spMk id="17" creationId="{1FA4E003-A16A-4DE4-AC75-3414F16BCCEC}"/>
+          </ac:spMkLst>
+        </pc:spChg>
+        <pc:cxnChg chg="mod">
+          <ac:chgData name="Cynthia Enciso" userId="7915927f-c5cf-4e1f-876d-e79882ad52fa" providerId="ADAL" clId="{8C77B812-4FE7-422B-970B-CDB55EF74933}" dt="2021-08-10T21:15:58.735" v="298" actId="14100"/>
+          <ac:cxnSpMkLst>
+            <pc:docMk/>
+            <pc:sldMk cId="111416777" sldId="278"/>
+            <ac:cxnSpMk id="16" creationId="{1FC6BEC3-D66C-4CAE-9B6F-0369BDA66379}"/>
+          </ac:cxnSpMkLst>
+        </pc:cxnChg>
+      </pc:sldChg>
+      <pc:sldChg chg="modSp mod">
+        <pc:chgData name="Cynthia Enciso" userId="7915927f-c5cf-4e1f-876d-e79882ad52fa" providerId="ADAL" clId="{8C77B812-4FE7-422B-970B-CDB55EF74933}" dt="2021-09-21T20:24:28.766" v="1036" actId="1076"/>
+        <pc:sldMkLst>
+          <pc:docMk/>
+          <pc:sldMk cId="3546549088" sldId="279"/>
+        </pc:sldMkLst>
+        <pc:spChg chg="mod">
+          <ac:chgData name="Cynthia Enciso" userId="7915927f-c5cf-4e1f-876d-e79882ad52fa" providerId="ADAL" clId="{8C77B812-4FE7-422B-970B-CDB55EF74933}" dt="2021-09-21T20:24:28.766" v="1036" actId="1076"/>
+          <ac:spMkLst>
+            <pc:docMk/>
+            <pc:sldMk cId="3546549088" sldId="279"/>
+            <ac:spMk id="12" creationId="{45D8670F-86B7-4EC9-8CDF-65303ECC2EA4}"/>
+          </ac:spMkLst>
+        </pc:spChg>
+      </pc:sldChg>
+      <pc:sldChg chg="modSp mod">
+        <pc:chgData name="Cynthia Enciso" userId="7915927f-c5cf-4e1f-876d-e79882ad52fa" providerId="ADAL" clId="{8C77B812-4FE7-422B-970B-CDB55EF74933}" dt="2021-10-26T20:55:27.247" v="1423" actId="20577"/>
+        <pc:sldMkLst>
+          <pc:docMk/>
+          <pc:sldMk cId="3038891659" sldId="280"/>
+        </pc:sldMkLst>
+        <pc:spChg chg="mod">
+          <ac:chgData name="Cynthia Enciso" userId="7915927f-c5cf-4e1f-876d-e79882ad52fa" providerId="ADAL" clId="{8C77B812-4FE7-422B-970B-CDB55EF74933}" dt="2021-10-26T20:55:27.247" v="1423" actId="20577"/>
+          <ac:spMkLst>
+            <pc:docMk/>
+            <pc:sldMk cId="3038891659" sldId="280"/>
+            <ac:spMk id="3" creationId="{4A99C0C4-D732-41ED-8554-14713CDC53D6}"/>
+          </ac:spMkLst>
+        </pc:spChg>
+      </pc:sldChg>
+      <pc:sldChg chg="addSp delSp modSp new add del mod ord">
+        <pc:chgData name="Cynthia Enciso" userId="7915927f-c5cf-4e1f-876d-e79882ad52fa" providerId="ADAL" clId="{8C77B812-4FE7-422B-970B-CDB55EF74933}" dt="2021-10-26T21:13:32.975" v="1424" actId="20577"/>
+        <pc:sldMkLst>
+          <pc:docMk/>
+          <pc:sldMk cId="4090143124" sldId="281"/>
+        </pc:sldMkLst>
+        <pc:spChg chg="del">
+          <ac:chgData name="Cynthia Enciso" userId="7915927f-c5cf-4e1f-876d-e79882ad52fa" providerId="ADAL" clId="{8C77B812-4FE7-422B-970B-CDB55EF74933}" dt="2021-09-14T19:32:46.418" v="311" actId="478"/>
+          <ac:spMkLst>
+            <pc:docMk/>
+            <pc:sldMk cId="4090143124" sldId="281"/>
+            <ac:spMk id="3" creationId="{D691F7BD-2E98-440F-90A3-24E0B663E094}"/>
+          </ac:spMkLst>
+        </pc:spChg>
+        <pc:spChg chg="add del mod">
+          <ac:chgData name="Cynthia Enciso" userId="7915927f-c5cf-4e1f-876d-e79882ad52fa" providerId="ADAL" clId="{8C77B812-4FE7-422B-970B-CDB55EF74933}" dt="2021-09-14T19:33:20.324" v="341"/>
+          <ac:spMkLst>
+            <pc:docMk/>
+            <pc:sldMk cId="4090143124" sldId="281"/>
+            <ac:spMk id="5" creationId="{AE72ED44-3C09-4684-B75F-5061610395CA}"/>
+          </ac:spMkLst>
+        </pc:spChg>
+        <pc:spChg chg="add mod topLvl">
+          <ac:chgData name="Cynthia Enciso" userId="7915927f-c5cf-4e1f-876d-e79882ad52fa" providerId="ADAL" clId="{8C77B812-4FE7-422B-970B-CDB55EF74933}" dt="2021-09-21T20:21:25.941" v="1022" actId="20577"/>
+          <ac:spMkLst>
+            <pc:docMk/>
+            <pc:sldMk cId="4090143124" sldId="281"/>
+            <ac:spMk id="6" creationId="{4C31955D-4CA3-4ED9-B7A6-37CF58A7F7DB}"/>
+          </ac:spMkLst>
+        </pc:spChg>
+        <pc:spChg chg="add mod topLvl">
+          <ac:chgData name="Cynthia Enciso" userId="7915927f-c5cf-4e1f-876d-e79882ad52fa" providerId="ADAL" clId="{8C77B812-4FE7-422B-970B-CDB55EF74933}" dt="2021-09-21T21:15:41.339" v="1315" actId="20577"/>
+          <ac:spMkLst>
+            <pc:docMk/>
+            <pc:sldMk cId="4090143124" sldId="281"/>
+            <ac:spMk id="7" creationId="{A73CD479-1DB1-4F43-8AE3-F60A324E959D}"/>
+          </ac:spMkLst>
+        </pc:spChg>
+        <pc:spChg chg="add mod">
+          <ac:chgData name="Cynthia Enciso" userId="7915927f-c5cf-4e1f-876d-e79882ad52fa" providerId="ADAL" clId="{8C77B812-4FE7-422B-970B-CDB55EF74933}" dt="2021-09-14T19:41:47.921" v="790" actId="20577"/>
+          <ac:spMkLst>
+            <pc:docMk/>
+            <pc:sldMk cId="4090143124" sldId="281"/>
+            <ac:spMk id="8" creationId="{7078EE9E-C02E-4D01-85E8-7689F36D3F05}"/>
+          </ac:spMkLst>
+        </pc:spChg>
+        <pc:spChg chg="add mod topLvl">
+          <ac:chgData name="Cynthia Enciso" userId="7915927f-c5cf-4e1f-876d-e79882ad52fa" providerId="ADAL" clId="{8C77B812-4FE7-422B-970B-CDB55EF74933}" dt="2021-09-14T19:39:22.333" v="719" actId="164"/>
+          <ac:spMkLst>
+            <pc:docMk/>
+            <pc:sldMk cId="4090143124" sldId="281"/>
+            <ac:spMk id="9" creationId="{CFC13839-7C8E-45FC-B876-73F997D307B9}"/>
+          </ac:spMkLst>
+        </pc:spChg>
+        <pc:spChg chg="add mod">
+          <ac:chgData name="Cynthia Enciso" userId="7915927f-c5cf-4e1f-876d-e79882ad52fa" providerId="ADAL" clId="{8C77B812-4FE7-422B-970B-CDB55EF74933}" dt="2021-09-14T19:39:53.386" v="729" actId="1076"/>
+          <ac:spMkLst>
+            <pc:docMk/>
+            <pc:sldMk cId="4090143124" sldId="281"/>
+            <ac:spMk id="10" creationId="{90169A24-6DAA-44D6-9F37-E465E60AD5F0}"/>
+          </ac:spMkLst>
+        </pc:spChg>
+        <pc:spChg chg="add mod">
+          <ac:chgData name="Cynthia Enciso" userId="7915927f-c5cf-4e1f-876d-e79882ad52fa" providerId="ADAL" clId="{8C77B812-4FE7-422B-970B-CDB55EF74933}" dt="2021-09-14T19:39:34.860" v="725" actId="1076"/>
+          <ac:spMkLst>
+            <pc:docMk/>
+            <pc:sldMk cId="4090143124" sldId="281"/>
+            <ac:spMk id="12" creationId="{BFFDE57A-741C-4217-8C4D-B6D7753AAD54}"/>
+          </ac:spMkLst>
+        </pc:spChg>
+        <pc:spChg chg="add mod">
+          <ac:chgData name="Cynthia Enciso" userId="7915927f-c5cf-4e1f-876d-e79882ad52fa" providerId="ADAL" clId="{8C77B812-4FE7-422B-970B-CDB55EF74933}" dt="2021-09-14T19:39:34.860" v="725" actId="1076"/>
+          <ac:spMkLst>
+            <pc:docMk/>
+            <pc:sldMk cId="4090143124" sldId="281"/>
+            <ac:spMk id="14" creationId="{D5EFB165-D6C4-494A-86AC-D07B32F74870}"/>
+          </ac:spMkLst>
+        </pc:spChg>
+        <pc:spChg chg="add mod">
+          <ac:chgData name="Cynthia Enciso" userId="7915927f-c5cf-4e1f-876d-e79882ad52fa" providerId="ADAL" clId="{8C77B812-4FE7-422B-970B-CDB55EF74933}" dt="2021-09-14T19:39:29.768" v="723" actId="1076"/>
+          <ac:spMkLst>
+            <pc:docMk/>
+            <pc:sldMk cId="4090143124" sldId="281"/>
+            <ac:spMk id="15" creationId="{3B384245-3E85-41F4-B6F0-A3C1332EAE30}"/>
+          </ac:spMkLst>
+        </pc:spChg>
+        <pc:spChg chg="add mod">
+          <ac:chgData name="Cynthia Enciso" userId="7915927f-c5cf-4e1f-876d-e79882ad52fa" providerId="ADAL" clId="{8C77B812-4FE7-422B-970B-CDB55EF74933}" dt="2021-09-14T19:39:31.028" v="724" actId="14100"/>
+          <ac:spMkLst>
+            <pc:docMk/>
+            <pc:sldMk cId="4090143124" sldId="281"/>
+            <ac:spMk id="16" creationId="{1202779A-2179-4324-A110-45D32BDF8E1E}"/>
+          </ac:spMkLst>
+        </pc:spChg>
+        <pc:spChg chg="add mod">
+          <ac:chgData name="Cynthia Enciso" userId="7915927f-c5cf-4e1f-876d-e79882ad52fa" providerId="ADAL" clId="{8C77B812-4FE7-422B-970B-CDB55EF74933}" dt="2021-09-21T21:16:02.119" v="1316" actId="1076"/>
+          <ac:spMkLst>
+            <pc:docMk/>
+            <pc:sldMk cId="4090143124" sldId="281"/>
+            <ac:spMk id="18" creationId="{382EB2A7-D20C-4582-AB7D-1FE1E76AB252}"/>
+          </ac:spMkLst>
+        </pc:spChg>
+        <pc:spChg chg="add mod">
+          <ac:chgData name="Cynthia Enciso" userId="7915927f-c5cf-4e1f-876d-e79882ad52fa" providerId="ADAL" clId="{8C77B812-4FE7-422B-970B-CDB55EF74933}" dt="2021-09-21T21:16:42.280" v="1329" actId="1076"/>
+          <ac:spMkLst>
+            <pc:docMk/>
+            <pc:sldMk cId="4090143124" sldId="281"/>
+            <ac:spMk id="19" creationId="{5432BA20-F9B8-48F8-B6E9-59DDE33C352E}"/>
+          </ac:spMkLst>
+        </pc:spChg>
+        <pc:spChg chg="add mod">
+          <ac:chgData name="Cynthia Enciso" userId="7915927f-c5cf-4e1f-876d-e79882ad52fa" providerId="ADAL" clId="{8C77B812-4FE7-422B-970B-CDB55EF74933}" dt="2021-09-21T20:23:43.056" v="1030" actId="164"/>
+          <ac:spMkLst>
+            <pc:docMk/>
+            <pc:sldMk cId="4090143124" sldId="281"/>
+            <ac:spMk id="20" creationId="{0AE93D6F-7C59-43E7-A707-199CA2D73166}"/>
+          </ac:spMkLst>
+        </pc:spChg>
+        <pc:spChg chg="add mod">
+          <ac:chgData name="Cynthia Enciso" userId="7915927f-c5cf-4e1f-876d-e79882ad52fa" providerId="ADAL" clId="{8C77B812-4FE7-422B-970B-CDB55EF74933}" dt="2021-09-21T21:16:24.803" v="1326" actId="20577"/>
+          <ac:spMkLst>
+            <pc:docMk/>
+            <pc:sldMk cId="4090143124" sldId="281"/>
+            <ac:spMk id="21" creationId="{C9CB32B5-9808-4AC5-8EE8-551FE3E3A6B9}"/>
+          </ac:spMkLst>
+        </pc:spChg>
+        <pc:spChg chg="add mod">
+          <ac:chgData name="Cynthia Enciso" userId="7915927f-c5cf-4e1f-876d-e79882ad52fa" providerId="ADAL" clId="{8C77B812-4FE7-422B-970B-CDB55EF74933}" dt="2021-10-26T21:13:32.975" v="1424" actId="20577"/>
+          <ac:spMkLst>
+            <pc:docMk/>
+            <pc:sldMk cId="4090143124" sldId="281"/>
+            <ac:spMk id="22" creationId="{E9E28DB0-5727-4803-8366-324719CC39FB}"/>
+          </ac:spMkLst>
+        </pc:spChg>
+        <pc:spChg chg="add mod">
+          <ac:chgData name="Cynthia Enciso" userId="7915927f-c5cf-4e1f-876d-e79882ad52fa" providerId="ADAL" clId="{8C77B812-4FE7-422B-970B-CDB55EF74933}" dt="2021-09-14T19:43:35.684" v="985" actId="20577"/>
+          <ac:spMkLst>
+            <pc:docMk/>
+            <pc:sldMk cId="4090143124" sldId="281"/>
+            <ac:spMk id="27" creationId="{CE0BB554-9F9F-4465-98BC-722F2902A5BD}"/>
+          </ac:spMkLst>
+        </pc:spChg>
+        <pc:spChg chg="add mod">
+          <ac:chgData name="Cynthia Enciso" userId="7915927f-c5cf-4e1f-876d-e79882ad52fa" providerId="ADAL" clId="{8C77B812-4FE7-422B-970B-CDB55EF74933}" dt="2021-09-14T19:43:56.023" v="1002" actId="20577"/>
+          <ac:spMkLst>
+            <pc:docMk/>
+            <pc:sldMk cId="4090143124" sldId="281"/>
+            <ac:spMk id="28" creationId="{9C5A94E4-57A1-4CBD-8854-D6240A8ADF9E}"/>
+          </ac:spMkLst>
+        </pc:spChg>
+        <pc:grpChg chg="add mod">
+          <ac:chgData name="Cynthia Enciso" userId="7915927f-c5cf-4e1f-876d-e79882ad52fa" providerId="ADAL" clId="{8C77B812-4FE7-422B-970B-CDB55EF74933}" dt="2021-09-21T21:16:07.695" v="1317" actId="1076"/>
+          <ac:grpSpMkLst>
+            <pc:docMk/>
+            <pc:sldMk cId="4090143124" sldId="281"/>
+            <ac:grpSpMk id="3" creationId="{4CF1EC4A-CB9E-4E3D-97FD-773085680EC3}"/>
+          </ac:grpSpMkLst>
+        </pc:grpChg>
+        <pc:grpChg chg="add del mod">
+          <ac:chgData name="Cynthia Enciso" userId="7915927f-c5cf-4e1f-876d-e79882ad52fa" providerId="ADAL" clId="{8C77B812-4FE7-422B-970B-CDB55EF74933}" dt="2021-09-14T19:37:52.743" v="692" actId="165"/>
+          <ac:grpSpMkLst>
+            <pc:docMk/>
+            <pc:sldMk cId="4090143124" sldId="281"/>
+            <ac:grpSpMk id="11" creationId="{6A32219F-6466-4995-8AE3-4B3395D409C9}"/>
+          </ac:grpSpMkLst>
+        </pc:grpChg>
+        <pc:grpChg chg="add mod">
+          <ac:chgData name="Cynthia Enciso" userId="7915927f-c5cf-4e1f-876d-e79882ad52fa" providerId="ADAL" clId="{8C77B812-4FE7-422B-970B-CDB55EF74933}" dt="2021-09-14T19:39:55.398" v="730" actId="1076"/>
+          <ac:grpSpMkLst>
+            <pc:docMk/>
+            <pc:sldMk cId="4090143124" sldId="281"/>
+            <ac:grpSpMk id="13" creationId="{2DBE2CEF-6CB0-4625-BEEE-50F08D6FC3F2}"/>
+          </ac:grpSpMkLst>
+        </pc:grpChg>
+        <pc:grpChg chg="add mod">
+          <ac:chgData name="Cynthia Enciso" userId="7915927f-c5cf-4e1f-876d-e79882ad52fa" providerId="ADAL" clId="{8C77B812-4FE7-422B-970B-CDB55EF74933}" dt="2021-09-14T19:39:58.122" v="731" actId="1076"/>
+          <ac:grpSpMkLst>
+            <pc:docMk/>
+            <pc:sldMk cId="4090143124" sldId="281"/>
+            <ac:grpSpMk id="17" creationId="{8ABAE8CD-35C7-4988-A869-52EBD27F3162}"/>
+          </ac:grpSpMkLst>
+        </pc:grpChg>
+        <pc:cxnChg chg="add mod">
+          <ac:chgData name="Cynthia Enciso" userId="7915927f-c5cf-4e1f-876d-e79882ad52fa" providerId="ADAL" clId="{8C77B812-4FE7-422B-970B-CDB55EF74933}" dt="2021-09-21T21:16:32.837" v="1328" actId="14100"/>
+          <ac:cxnSpMkLst>
+            <pc:docMk/>
+            <pc:sldMk cId="4090143124" sldId="281"/>
+            <ac:cxnSpMk id="24" creationId="{402D10A1-8BD3-43BD-B23E-A59FEB8D1261}"/>
+          </ac:cxnSpMkLst>
+        </pc:cxnChg>
+        <pc:cxnChg chg="add mod">
+          <ac:chgData name="Cynthia Enciso" userId="7915927f-c5cf-4e1f-876d-e79882ad52fa" providerId="ADAL" clId="{8C77B812-4FE7-422B-970B-CDB55EF74933}" dt="2021-09-21T21:16:47.438" v="1331" actId="14100"/>
+          <ac:cxnSpMkLst>
+            <pc:docMk/>
+            <pc:sldMk cId="4090143124" sldId="281"/>
+            <ac:cxnSpMk id="26" creationId="{B97AD56D-65FB-4FC9-935E-5E6FE726EF6D}"/>
+          </ac:cxnSpMkLst>
+        </pc:cxnChg>
+      </pc:sldChg>
+    </pc:docChg>
+  </pc:docChgLst>
+  <pc:docChgLst>
+    <pc:chgData name="Cynthia Enciso" userId="7915927f-c5cf-4e1f-876d-e79882ad52fa" providerId="ADAL" clId="{FD00A46F-670A-43B4-B59E-8E67021A086F}"/>
+    <pc:docChg chg="custSel addSld delSld modSld sldOrd">
+      <pc:chgData name="Cynthia Enciso" userId="7915927f-c5cf-4e1f-876d-e79882ad52fa" providerId="ADAL" clId="{FD00A46F-670A-43B4-B59E-8E67021A086F}" dt="2022-03-08T22:40:39.296" v="50" actId="20577"/>
+      <pc:docMkLst>
+        <pc:docMk/>
+      </pc:docMkLst>
+      <pc:sldChg chg="modSp mod">
+        <pc:chgData name="Cynthia Enciso" userId="7915927f-c5cf-4e1f-876d-e79882ad52fa" providerId="ADAL" clId="{FD00A46F-670A-43B4-B59E-8E67021A086F}" dt="2022-02-01T19:30:32.413" v="2" actId="5793"/>
+        <pc:sldMkLst>
+          <pc:docMk/>
+          <pc:sldMk cId="0" sldId="259"/>
+        </pc:sldMkLst>
+        <pc:spChg chg="mod">
+          <ac:chgData name="Cynthia Enciso" userId="7915927f-c5cf-4e1f-876d-e79882ad52fa" providerId="ADAL" clId="{FD00A46F-670A-43B4-B59E-8E67021A086F}" dt="2022-02-01T19:30:32.413" v="2" actId="5793"/>
+          <ac:spMkLst>
+            <pc:docMk/>
+            <pc:sldMk cId="0" sldId="259"/>
+            <ac:spMk id="233" creationId="{00000000-0000-0000-0000-000000000000}"/>
+          </ac:spMkLst>
+        </pc:spChg>
+      </pc:sldChg>
+      <pc:sldChg chg="modSp modAnim">
+        <pc:chgData name="Cynthia Enciso" userId="7915927f-c5cf-4e1f-876d-e79882ad52fa" providerId="ADAL" clId="{FD00A46F-670A-43B4-B59E-8E67021A086F}" dt="2022-02-01T22:54:01.891" v="5" actId="20578"/>
+        <pc:sldMkLst>
+          <pc:docMk/>
+          <pc:sldMk cId="0" sldId="263"/>
+        </pc:sldMkLst>
+        <pc:spChg chg="mod">
+          <ac:chgData name="Cynthia Enciso" userId="7915927f-c5cf-4e1f-876d-e79882ad52fa" providerId="ADAL" clId="{FD00A46F-670A-43B4-B59E-8E67021A086F}" dt="2022-02-01T22:54:00.286" v="4" actId="20578"/>
+          <ac:spMkLst>
+            <pc:docMk/>
+            <pc:sldMk cId="0" sldId="263"/>
+            <ac:spMk id="261" creationId="{00000000-0000-0000-0000-000000000000}"/>
+          </ac:spMkLst>
+        </pc:spChg>
+      </pc:sldChg>
+      <pc:sldChg chg="modSp mod">
+        <pc:chgData name="Cynthia Enciso" userId="7915927f-c5cf-4e1f-876d-e79882ad52fa" providerId="ADAL" clId="{FD00A46F-670A-43B4-B59E-8E67021A086F}" dt="2022-03-08T22:40:39.296" v="50" actId="20577"/>
+        <pc:sldMkLst>
+          <pc:docMk/>
+          <pc:sldMk cId="0" sldId="272"/>
+        </pc:sldMkLst>
+        <pc:spChg chg="mod">
+          <ac:chgData name="Cynthia Enciso" userId="7915927f-c5cf-4e1f-876d-e79882ad52fa" providerId="ADAL" clId="{FD00A46F-670A-43B4-B59E-8E67021A086F}" dt="2022-03-08T22:40:39.296" v="50" actId="20577"/>
+          <ac:spMkLst>
+            <pc:docMk/>
+            <pc:sldMk cId="0" sldId="272"/>
+            <ac:spMk id="7" creationId="{6FD086C6-EECF-402D-8E6F-D48DA2C72438}"/>
+          </ac:spMkLst>
+        </pc:spChg>
+      </pc:sldChg>
+      <pc:sldChg chg="modSp mod">
+        <pc:chgData name="Cynthia Enciso" userId="7915927f-c5cf-4e1f-876d-e79882ad52fa" providerId="ADAL" clId="{FD00A46F-670A-43B4-B59E-8E67021A086F}" dt="2022-02-01T22:04:04.472" v="3" actId="20577"/>
+        <pc:sldMkLst>
+          <pc:docMk/>
+          <pc:sldMk cId="3982709447" sldId="275"/>
+        </pc:sldMkLst>
+        <pc:spChg chg="mod">
+          <ac:chgData name="Cynthia Enciso" userId="7915927f-c5cf-4e1f-876d-e79882ad52fa" providerId="ADAL" clId="{FD00A46F-670A-43B4-B59E-8E67021A086F}" dt="2022-02-01T22:04:04.472" v="3" actId="20577"/>
+          <ac:spMkLst>
+            <pc:docMk/>
+            <pc:sldMk cId="3982709447" sldId="275"/>
+            <ac:spMk id="233" creationId="{00000000-0000-0000-0000-000000000000}"/>
+          </ac:spMkLst>
+        </pc:spChg>
+      </pc:sldChg>
+      <pc:sldChg chg="modSp mod">
+        <pc:chgData name="Cynthia Enciso" userId="7915927f-c5cf-4e1f-876d-e79882ad52fa" providerId="ADAL" clId="{FD00A46F-670A-43B4-B59E-8E67021A086F}" dt="2022-02-01T23:01:29.267" v="6" actId="21"/>
+        <pc:sldMkLst>
+          <pc:docMk/>
+          <pc:sldMk cId="1743527457" sldId="283"/>
+        </pc:sldMkLst>
+        <pc:spChg chg="mod">
+          <ac:chgData name="Cynthia Enciso" userId="7915927f-c5cf-4e1f-876d-e79882ad52fa" providerId="ADAL" clId="{FD00A46F-670A-43B4-B59E-8E67021A086F}" dt="2022-02-01T23:01:29.267" v="6" actId="21"/>
+          <ac:spMkLst>
+            <pc:docMk/>
+            <pc:sldMk cId="1743527457" sldId="283"/>
+            <ac:spMk id="4" creationId="{FD8C05BC-C0C5-4443-A42F-B52001897A43}"/>
+          </ac:spMkLst>
+        </pc:spChg>
+      </pc:sldChg>
+      <pc:sldChg chg="modSp mod">
+        <pc:chgData name="Cynthia Enciso" userId="7915927f-c5cf-4e1f-876d-e79882ad52fa" providerId="ADAL" clId="{FD00A46F-670A-43B4-B59E-8E67021A086F}" dt="2022-03-08T21:14:28.464" v="14" actId="20577"/>
+        <pc:sldMkLst>
+          <pc:docMk/>
+          <pc:sldMk cId="2911383332" sldId="296"/>
+        </pc:sldMkLst>
+        <pc:spChg chg="mod">
+          <ac:chgData name="Cynthia Enciso" userId="7915927f-c5cf-4e1f-876d-e79882ad52fa" providerId="ADAL" clId="{FD00A46F-670A-43B4-B59E-8E67021A086F}" dt="2022-03-08T21:14:28.464" v="14" actId="20577"/>
+          <ac:spMkLst>
+            <pc:docMk/>
+            <pc:sldMk cId="2911383332" sldId="296"/>
+            <ac:spMk id="17" creationId="{3BBAEF7E-B93B-4017-8EF3-3587D119FF2F}"/>
+          </ac:spMkLst>
+        </pc:spChg>
+      </pc:sldChg>
+      <pc:sldChg chg="modSp new del mod ord">
+        <pc:chgData name="Cynthia Enciso" userId="7915927f-c5cf-4e1f-876d-e79882ad52fa" providerId="ADAL" clId="{FD00A46F-670A-43B4-B59E-8E67021A086F}" dt="2022-03-08T22:02:43.743" v="41" actId="47"/>
+        <pc:sldMkLst>
+          <pc:docMk/>
+          <pc:sldMk cId="3004782677" sldId="298"/>
+        </pc:sldMkLst>
+        <pc:spChg chg="mod">
+          <ac:chgData name="Cynthia Enciso" userId="7915927f-c5cf-4e1f-876d-e79882ad52fa" providerId="ADAL" clId="{FD00A46F-670A-43B4-B59E-8E67021A086F}" dt="2022-03-08T21:44:41.223" v="40" actId="20577"/>
+          <ac:spMkLst>
+            <pc:docMk/>
+            <pc:sldMk cId="3004782677" sldId="298"/>
+            <ac:spMk id="4" creationId="{1A0CB42A-9AA2-42C7-A53E-75F7DD83E70D}"/>
           </ac:spMkLst>
         </pc:spChg>
       </pc:sldChg>
@@ -2330,402 +2839,6 @@
       </pc:sldChg>
     </pc:docChg>
   </pc:docChgLst>
-  <pc:docChgLst>
-    <pc:chgData name="Cynthia Enciso" userId="7915927f-c5cf-4e1f-876d-e79882ad52fa" providerId="ADAL" clId="{8C77B812-4FE7-422B-970B-CDB55EF74933}"/>
-    <pc:docChg chg="undo custSel addSld delSld modSld sldOrd">
-      <pc:chgData name="Cynthia Enciso" userId="7915927f-c5cf-4e1f-876d-e79882ad52fa" providerId="ADAL" clId="{8C77B812-4FE7-422B-970B-CDB55EF74933}" dt="2021-10-26T21:13:32.975" v="1424" actId="20577"/>
-      <pc:docMkLst>
-        <pc:docMk/>
-      </pc:docMkLst>
-      <pc:sldChg chg="modSp mod modAnim">
-        <pc:chgData name="Cynthia Enciso" userId="7915927f-c5cf-4e1f-876d-e79882ad52fa" providerId="ADAL" clId="{8C77B812-4FE7-422B-970B-CDB55EF74933}" dt="2021-10-26T20:32:36.190" v="1400" actId="14"/>
-        <pc:sldMkLst>
-          <pc:docMk/>
-          <pc:sldMk cId="0" sldId="257"/>
-        </pc:sldMkLst>
-        <pc:spChg chg="mod">
-          <ac:chgData name="Cynthia Enciso" userId="7915927f-c5cf-4e1f-876d-e79882ad52fa" providerId="ADAL" clId="{8C77B812-4FE7-422B-970B-CDB55EF74933}" dt="2021-10-26T20:32:36.190" v="1400" actId="14"/>
-          <ac:spMkLst>
-            <pc:docMk/>
-            <pc:sldMk cId="0" sldId="257"/>
-            <ac:spMk id="219" creationId="{00000000-0000-0000-0000-000000000000}"/>
-          </ac:spMkLst>
-        </pc:spChg>
-      </pc:sldChg>
-      <pc:sldChg chg="modSp mod">
-        <pc:chgData name="Cynthia Enciso" userId="7915927f-c5cf-4e1f-876d-e79882ad52fa" providerId="ADAL" clId="{8C77B812-4FE7-422B-970B-CDB55EF74933}" dt="2021-08-10T19:33:12.226" v="110" actId="20577"/>
-        <pc:sldMkLst>
-          <pc:docMk/>
-          <pc:sldMk cId="0" sldId="259"/>
-        </pc:sldMkLst>
-        <pc:spChg chg="mod">
-          <ac:chgData name="Cynthia Enciso" userId="7915927f-c5cf-4e1f-876d-e79882ad52fa" providerId="ADAL" clId="{8C77B812-4FE7-422B-970B-CDB55EF74933}" dt="2021-08-10T19:33:12.226" v="110" actId="20577"/>
-          <ac:spMkLst>
-            <pc:docMk/>
-            <pc:sldMk cId="0" sldId="259"/>
-            <ac:spMk id="233" creationId="{00000000-0000-0000-0000-000000000000}"/>
-          </ac:spMkLst>
-        </pc:spChg>
-      </pc:sldChg>
-      <pc:sldChg chg="add del">
-        <pc:chgData name="Cynthia Enciso" userId="7915927f-c5cf-4e1f-876d-e79882ad52fa" providerId="ADAL" clId="{8C77B812-4FE7-422B-970B-CDB55EF74933}" dt="2021-09-21T22:26:11.683" v="1351" actId="47"/>
-        <pc:sldMkLst>
-          <pc:docMk/>
-          <pc:sldMk cId="0" sldId="261"/>
-        </pc:sldMkLst>
-      </pc:sldChg>
-      <pc:sldChg chg="modSp modAnim">
-        <pc:chgData name="Cynthia Enciso" userId="7915927f-c5cf-4e1f-876d-e79882ad52fa" providerId="ADAL" clId="{8C77B812-4FE7-422B-970B-CDB55EF74933}" dt="2021-09-21T20:31:50.613" v="1173" actId="2711"/>
-        <pc:sldMkLst>
-          <pc:docMk/>
-          <pc:sldMk cId="0" sldId="262"/>
-        </pc:sldMkLst>
-        <pc:spChg chg="mod">
-          <ac:chgData name="Cynthia Enciso" userId="7915927f-c5cf-4e1f-876d-e79882ad52fa" providerId="ADAL" clId="{8C77B812-4FE7-422B-970B-CDB55EF74933}" dt="2021-09-21T20:31:50.613" v="1173" actId="2711"/>
-          <ac:spMkLst>
-            <pc:docMk/>
-            <pc:sldMk cId="0" sldId="262"/>
-            <ac:spMk id="254" creationId="{00000000-0000-0000-0000-000000000000}"/>
-          </ac:spMkLst>
-        </pc:spChg>
-      </pc:sldChg>
-      <pc:sldChg chg="modSp">
-        <pc:chgData name="Cynthia Enciso" userId="7915927f-c5cf-4e1f-876d-e79882ad52fa" providerId="ADAL" clId="{8C77B812-4FE7-422B-970B-CDB55EF74933}" dt="2021-08-10T20:20:28.905" v="177" actId="20577"/>
-        <pc:sldMkLst>
-          <pc:docMk/>
-          <pc:sldMk cId="0" sldId="263"/>
-        </pc:sldMkLst>
-        <pc:spChg chg="mod">
-          <ac:chgData name="Cynthia Enciso" userId="7915927f-c5cf-4e1f-876d-e79882ad52fa" providerId="ADAL" clId="{8C77B812-4FE7-422B-970B-CDB55EF74933}" dt="2021-08-10T20:20:28.905" v="177" actId="20577"/>
-          <ac:spMkLst>
-            <pc:docMk/>
-            <pc:sldMk cId="0" sldId="263"/>
-            <ac:spMk id="261" creationId="{00000000-0000-0000-0000-000000000000}"/>
-          </ac:spMkLst>
-        </pc:spChg>
-      </pc:sldChg>
-      <pc:sldChg chg="modSp">
-        <pc:chgData name="Cynthia Enciso" userId="7915927f-c5cf-4e1f-876d-e79882ad52fa" providerId="ADAL" clId="{8C77B812-4FE7-422B-970B-CDB55EF74933}" dt="2021-08-10T20:23:51.162" v="188" actId="113"/>
-        <pc:sldMkLst>
-          <pc:docMk/>
-          <pc:sldMk cId="0" sldId="268"/>
-        </pc:sldMkLst>
-        <pc:spChg chg="mod">
-          <ac:chgData name="Cynthia Enciso" userId="7915927f-c5cf-4e1f-876d-e79882ad52fa" providerId="ADAL" clId="{8C77B812-4FE7-422B-970B-CDB55EF74933}" dt="2021-08-10T20:23:51.162" v="188" actId="113"/>
-          <ac:spMkLst>
-            <pc:docMk/>
-            <pc:sldMk cId="0" sldId="268"/>
-            <ac:spMk id="296" creationId="{00000000-0000-0000-0000-000000000000}"/>
-          </ac:spMkLst>
-        </pc:spChg>
-      </pc:sldChg>
-      <pc:sldChg chg="modSp mod modAnim">
-        <pc:chgData name="Cynthia Enciso" userId="7915927f-c5cf-4e1f-876d-e79882ad52fa" providerId="ADAL" clId="{8C77B812-4FE7-422B-970B-CDB55EF74933}" dt="2021-09-21T20:57:31.695" v="1297" actId="20577"/>
-        <pc:sldMkLst>
-          <pc:docMk/>
-          <pc:sldMk cId="0" sldId="272"/>
-        </pc:sldMkLst>
-        <pc:spChg chg="mod">
-          <ac:chgData name="Cynthia Enciso" userId="7915927f-c5cf-4e1f-876d-e79882ad52fa" providerId="ADAL" clId="{8C77B812-4FE7-422B-970B-CDB55EF74933}" dt="2021-09-21T20:57:31.695" v="1297" actId="20577"/>
-          <ac:spMkLst>
-            <pc:docMk/>
-            <pc:sldMk cId="0" sldId="272"/>
-            <ac:spMk id="233" creationId="{00000000-0000-0000-0000-000000000000}"/>
-          </ac:spMkLst>
-        </pc:spChg>
-      </pc:sldChg>
-      <pc:sldChg chg="modSp mod">
-        <pc:chgData name="Cynthia Enciso" userId="7915927f-c5cf-4e1f-876d-e79882ad52fa" providerId="ADAL" clId="{8C77B812-4FE7-422B-970B-CDB55EF74933}" dt="2021-09-21T21:57:01.236" v="1350" actId="20577"/>
-        <pc:sldMkLst>
-          <pc:docMk/>
-          <pc:sldMk cId="2546056288" sldId="274"/>
-        </pc:sldMkLst>
-        <pc:spChg chg="mod">
-          <ac:chgData name="Cynthia Enciso" userId="7915927f-c5cf-4e1f-876d-e79882ad52fa" providerId="ADAL" clId="{8C77B812-4FE7-422B-970B-CDB55EF74933}" dt="2021-09-21T21:57:01.236" v="1350" actId="20577"/>
-          <ac:spMkLst>
-            <pc:docMk/>
-            <pc:sldMk cId="2546056288" sldId="274"/>
-            <ac:spMk id="9" creationId="{8DCC4198-E08D-4604-B165-0E6553F9902B}"/>
-          </ac:spMkLst>
-        </pc:spChg>
-      </pc:sldChg>
-      <pc:sldChg chg="modSp mod">
-        <pc:chgData name="Cynthia Enciso" userId="7915927f-c5cf-4e1f-876d-e79882ad52fa" providerId="ADAL" clId="{8C77B812-4FE7-422B-970B-CDB55EF74933}" dt="2021-08-10T19:33:58.824" v="112" actId="20577"/>
-        <pc:sldMkLst>
-          <pc:docMk/>
-          <pc:sldMk cId="3982709447" sldId="275"/>
-        </pc:sldMkLst>
-        <pc:spChg chg="mod">
-          <ac:chgData name="Cynthia Enciso" userId="7915927f-c5cf-4e1f-876d-e79882ad52fa" providerId="ADAL" clId="{8C77B812-4FE7-422B-970B-CDB55EF74933}" dt="2021-08-10T19:33:58.824" v="112" actId="20577"/>
-          <ac:spMkLst>
-            <pc:docMk/>
-            <pc:sldMk cId="3982709447" sldId="275"/>
-            <ac:spMk id="233" creationId="{00000000-0000-0000-0000-000000000000}"/>
-          </ac:spMkLst>
-        </pc:spChg>
-      </pc:sldChg>
-      <pc:sldChg chg="modSp del mod">
-        <pc:chgData name="Cynthia Enciso" userId="7915927f-c5cf-4e1f-876d-e79882ad52fa" providerId="ADAL" clId="{8C77B812-4FE7-422B-970B-CDB55EF74933}" dt="2021-09-14T19:45:26.643" v="1008" actId="47"/>
-        <pc:sldMkLst>
-          <pc:docMk/>
-          <pc:sldMk cId="111416777" sldId="278"/>
-        </pc:sldMkLst>
-        <pc:spChg chg="mod">
-          <ac:chgData name="Cynthia Enciso" userId="7915927f-c5cf-4e1f-876d-e79882ad52fa" providerId="ADAL" clId="{8C77B812-4FE7-422B-970B-CDB55EF74933}" dt="2021-09-14T19:45:11.028" v="1006" actId="1076"/>
-          <ac:spMkLst>
-            <pc:docMk/>
-            <pc:sldMk cId="111416777" sldId="278"/>
-            <ac:spMk id="3" creationId="{693CCB9D-7A32-438E-8BB4-BAD63D54CFBD}"/>
-          </ac:spMkLst>
-        </pc:spChg>
-        <pc:spChg chg="mod">
-          <ac:chgData name="Cynthia Enciso" userId="7915927f-c5cf-4e1f-876d-e79882ad52fa" providerId="ADAL" clId="{8C77B812-4FE7-422B-970B-CDB55EF74933}" dt="2021-09-14T19:45:13.985" v="1007" actId="1076"/>
-          <ac:spMkLst>
-            <pc:docMk/>
-            <pc:sldMk cId="111416777" sldId="278"/>
-            <ac:spMk id="17" creationId="{1FA4E003-A16A-4DE4-AC75-3414F16BCCEC}"/>
-          </ac:spMkLst>
-        </pc:spChg>
-        <pc:cxnChg chg="mod">
-          <ac:chgData name="Cynthia Enciso" userId="7915927f-c5cf-4e1f-876d-e79882ad52fa" providerId="ADAL" clId="{8C77B812-4FE7-422B-970B-CDB55EF74933}" dt="2021-08-10T21:15:58.735" v="298" actId="14100"/>
-          <ac:cxnSpMkLst>
-            <pc:docMk/>
-            <pc:sldMk cId="111416777" sldId="278"/>
-            <ac:cxnSpMk id="16" creationId="{1FC6BEC3-D66C-4CAE-9B6F-0369BDA66379}"/>
-          </ac:cxnSpMkLst>
-        </pc:cxnChg>
-      </pc:sldChg>
-      <pc:sldChg chg="modSp mod">
-        <pc:chgData name="Cynthia Enciso" userId="7915927f-c5cf-4e1f-876d-e79882ad52fa" providerId="ADAL" clId="{8C77B812-4FE7-422B-970B-CDB55EF74933}" dt="2021-09-21T20:24:28.766" v="1036" actId="1076"/>
-        <pc:sldMkLst>
-          <pc:docMk/>
-          <pc:sldMk cId="3546549088" sldId="279"/>
-        </pc:sldMkLst>
-        <pc:spChg chg="mod">
-          <ac:chgData name="Cynthia Enciso" userId="7915927f-c5cf-4e1f-876d-e79882ad52fa" providerId="ADAL" clId="{8C77B812-4FE7-422B-970B-CDB55EF74933}" dt="2021-09-21T20:24:28.766" v="1036" actId="1076"/>
-          <ac:spMkLst>
-            <pc:docMk/>
-            <pc:sldMk cId="3546549088" sldId="279"/>
-            <ac:spMk id="12" creationId="{45D8670F-86B7-4EC9-8CDF-65303ECC2EA4}"/>
-          </ac:spMkLst>
-        </pc:spChg>
-      </pc:sldChg>
-      <pc:sldChg chg="modSp mod">
-        <pc:chgData name="Cynthia Enciso" userId="7915927f-c5cf-4e1f-876d-e79882ad52fa" providerId="ADAL" clId="{8C77B812-4FE7-422B-970B-CDB55EF74933}" dt="2021-10-26T20:55:27.247" v="1423" actId="20577"/>
-        <pc:sldMkLst>
-          <pc:docMk/>
-          <pc:sldMk cId="3038891659" sldId="280"/>
-        </pc:sldMkLst>
-        <pc:spChg chg="mod">
-          <ac:chgData name="Cynthia Enciso" userId="7915927f-c5cf-4e1f-876d-e79882ad52fa" providerId="ADAL" clId="{8C77B812-4FE7-422B-970B-CDB55EF74933}" dt="2021-10-26T20:55:27.247" v="1423" actId="20577"/>
-          <ac:spMkLst>
-            <pc:docMk/>
-            <pc:sldMk cId="3038891659" sldId="280"/>
-            <ac:spMk id="3" creationId="{4A99C0C4-D732-41ED-8554-14713CDC53D6}"/>
-          </ac:spMkLst>
-        </pc:spChg>
-      </pc:sldChg>
-      <pc:sldChg chg="addSp delSp modSp new add del mod ord">
-        <pc:chgData name="Cynthia Enciso" userId="7915927f-c5cf-4e1f-876d-e79882ad52fa" providerId="ADAL" clId="{8C77B812-4FE7-422B-970B-CDB55EF74933}" dt="2021-10-26T21:13:32.975" v="1424" actId="20577"/>
-        <pc:sldMkLst>
-          <pc:docMk/>
-          <pc:sldMk cId="4090143124" sldId="281"/>
-        </pc:sldMkLst>
-        <pc:spChg chg="del">
-          <ac:chgData name="Cynthia Enciso" userId="7915927f-c5cf-4e1f-876d-e79882ad52fa" providerId="ADAL" clId="{8C77B812-4FE7-422B-970B-CDB55EF74933}" dt="2021-09-14T19:32:46.418" v="311" actId="478"/>
-          <ac:spMkLst>
-            <pc:docMk/>
-            <pc:sldMk cId="4090143124" sldId="281"/>
-            <ac:spMk id="3" creationId="{D691F7BD-2E98-440F-90A3-24E0B663E094}"/>
-          </ac:spMkLst>
-        </pc:spChg>
-        <pc:spChg chg="add del mod">
-          <ac:chgData name="Cynthia Enciso" userId="7915927f-c5cf-4e1f-876d-e79882ad52fa" providerId="ADAL" clId="{8C77B812-4FE7-422B-970B-CDB55EF74933}" dt="2021-09-14T19:33:20.324" v="341"/>
-          <ac:spMkLst>
-            <pc:docMk/>
-            <pc:sldMk cId="4090143124" sldId="281"/>
-            <ac:spMk id="5" creationId="{AE72ED44-3C09-4684-B75F-5061610395CA}"/>
-          </ac:spMkLst>
-        </pc:spChg>
-        <pc:spChg chg="add mod topLvl">
-          <ac:chgData name="Cynthia Enciso" userId="7915927f-c5cf-4e1f-876d-e79882ad52fa" providerId="ADAL" clId="{8C77B812-4FE7-422B-970B-CDB55EF74933}" dt="2021-09-21T20:21:25.941" v="1022" actId="20577"/>
-          <ac:spMkLst>
-            <pc:docMk/>
-            <pc:sldMk cId="4090143124" sldId="281"/>
-            <ac:spMk id="6" creationId="{4C31955D-4CA3-4ED9-B7A6-37CF58A7F7DB}"/>
-          </ac:spMkLst>
-        </pc:spChg>
-        <pc:spChg chg="add mod topLvl">
-          <ac:chgData name="Cynthia Enciso" userId="7915927f-c5cf-4e1f-876d-e79882ad52fa" providerId="ADAL" clId="{8C77B812-4FE7-422B-970B-CDB55EF74933}" dt="2021-09-21T21:15:41.339" v="1315" actId="20577"/>
-          <ac:spMkLst>
-            <pc:docMk/>
-            <pc:sldMk cId="4090143124" sldId="281"/>
-            <ac:spMk id="7" creationId="{A73CD479-1DB1-4F43-8AE3-F60A324E959D}"/>
-          </ac:spMkLst>
-        </pc:spChg>
-        <pc:spChg chg="add mod">
-          <ac:chgData name="Cynthia Enciso" userId="7915927f-c5cf-4e1f-876d-e79882ad52fa" providerId="ADAL" clId="{8C77B812-4FE7-422B-970B-CDB55EF74933}" dt="2021-09-14T19:41:47.921" v="790" actId="20577"/>
-          <ac:spMkLst>
-            <pc:docMk/>
-            <pc:sldMk cId="4090143124" sldId="281"/>
-            <ac:spMk id="8" creationId="{7078EE9E-C02E-4D01-85E8-7689F36D3F05}"/>
-          </ac:spMkLst>
-        </pc:spChg>
-        <pc:spChg chg="add mod topLvl">
-          <ac:chgData name="Cynthia Enciso" userId="7915927f-c5cf-4e1f-876d-e79882ad52fa" providerId="ADAL" clId="{8C77B812-4FE7-422B-970B-CDB55EF74933}" dt="2021-09-14T19:39:22.333" v="719" actId="164"/>
-          <ac:spMkLst>
-            <pc:docMk/>
-            <pc:sldMk cId="4090143124" sldId="281"/>
-            <ac:spMk id="9" creationId="{CFC13839-7C8E-45FC-B876-73F997D307B9}"/>
-          </ac:spMkLst>
-        </pc:spChg>
-        <pc:spChg chg="add mod">
-          <ac:chgData name="Cynthia Enciso" userId="7915927f-c5cf-4e1f-876d-e79882ad52fa" providerId="ADAL" clId="{8C77B812-4FE7-422B-970B-CDB55EF74933}" dt="2021-09-14T19:39:53.386" v="729" actId="1076"/>
-          <ac:spMkLst>
-            <pc:docMk/>
-            <pc:sldMk cId="4090143124" sldId="281"/>
-            <ac:spMk id="10" creationId="{90169A24-6DAA-44D6-9F37-E465E60AD5F0}"/>
-          </ac:spMkLst>
-        </pc:spChg>
-        <pc:spChg chg="add mod">
-          <ac:chgData name="Cynthia Enciso" userId="7915927f-c5cf-4e1f-876d-e79882ad52fa" providerId="ADAL" clId="{8C77B812-4FE7-422B-970B-CDB55EF74933}" dt="2021-09-14T19:39:34.860" v="725" actId="1076"/>
-          <ac:spMkLst>
-            <pc:docMk/>
-            <pc:sldMk cId="4090143124" sldId="281"/>
-            <ac:spMk id="12" creationId="{BFFDE57A-741C-4217-8C4D-B6D7753AAD54}"/>
-          </ac:spMkLst>
-        </pc:spChg>
-        <pc:spChg chg="add mod">
-          <ac:chgData name="Cynthia Enciso" userId="7915927f-c5cf-4e1f-876d-e79882ad52fa" providerId="ADAL" clId="{8C77B812-4FE7-422B-970B-CDB55EF74933}" dt="2021-09-14T19:39:34.860" v="725" actId="1076"/>
-          <ac:spMkLst>
-            <pc:docMk/>
-            <pc:sldMk cId="4090143124" sldId="281"/>
-            <ac:spMk id="14" creationId="{D5EFB165-D6C4-494A-86AC-D07B32F74870}"/>
-          </ac:spMkLst>
-        </pc:spChg>
-        <pc:spChg chg="add mod">
-          <ac:chgData name="Cynthia Enciso" userId="7915927f-c5cf-4e1f-876d-e79882ad52fa" providerId="ADAL" clId="{8C77B812-4FE7-422B-970B-CDB55EF74933}" dt="2021-09-14T19:39:29.768" v="723" actId="1076"/>
-          <ac:spMkLst>
-            <pc:docMk/>
-            <pc:sldMk cId="4090143124" sldId="281"/>
-            <ac:spMk id="15" creationId="{3B384245-3E85-41F4-B6F0-A3C1332EAE30}"/>
-          </ac:spMkLst>
-        </pc:spChg>
-        <pc:spChg chg="add mod">
-          <ac:chgData name="Cynthia Enciso" userId="7915927f-c5cf-4e1f-876d-e79882ad52fa" providerId="ADAL" clId="{8C77B812-4FE7-422B-970B-CDB55EF74933}" dt="2021-09-14T19:39:31.028" v="724" actId="14100"/>
-          <ac:spMkLst>
-            <pc:docMk/>
-            <pc:sldMk cId="4090143124" sldId="281"/>
-            <ac:spMk id="16" creationId="{1202779A-2179-4324-A110-45D32BDF8E1E}"/>
-          </ac:spMkLst>
-        </pc:spChg>
-        <pc:spChg chg="add mod">
-          <ac:chgData name="Cynthia Enciso" userId="7915927f-c5cf-4e1f-876d-e79882ad52fa" providerId="ADAL" clId="{8C77B812-4FE7-422B-970B-CDB55EF74933}" dt="2021-09-21T21:16:02.119" v="1316" actId="1076"/>
-          <ac:spMkLst>
-            <pc:docMk/>
-            <pc:sldMk cId="4090143124" sldId="281"/>
-            <ac:spMk id="18" creationId="{382EB2A7-D20C-4582-AB7D-1FE1E76AB252}"/>
-          </ac:spMkLst>
-        </pc:spChg>
-        <pc:spChg chg="add mod">
-          <ac:chgData name="Cynthia Enciso" userId="7915927f-c5cf-4e1f-876d-e79882ad52fa" providerId="ADAL" clId="{8C77B812-4FE7-422B-970B-CDB55EF74933}" dt="2021-09-21T21:16:42.280" v="1329" actId="1076"/>
-          <ac:spMkLst>
-            <pc:docMk/>
-            <pc:sldMk cId="4090143124" sldId="281"/>
-            <ac:spMk id="19" creationId="{5432BA20-F9B8-48F8-B6E9-59DDE33C352E}"/>
-          </ac:spMkLst>
-        </pc:spChg>
-        <pc:spChg chg="add mod">
-          <ac:chgData name="Cynthia Enciso" userId="7915927f-c5cf-4e1f-876d-e79882ad52fa" providerId="ADAL" clId="{8C77B812-4FE7-422B-970B-CDB55EF74933}" dt="2021-09-21T20:23:43.056" v="1030" actId="164"/>
-          <ac:spMkLst>
-            <pc:docMk/>
-            <pc:sldMk cId="4090143124" sldId="281"/>
-            <ac:spMk id="20" creationId="{0AE93D6F-7C59-43E7-A707-199CA2D73166}"/>
-          </ac:spMkLst>
-        </pc:spChg>
-        <pc:spChg chg="add mod">
-          <ac:chgData name="Cynthia Enciso" userId="7915927f-c5cf-4e1f-876d-e79882ad52fa" providerId="ADAL" clId="{8C77B812-4FE7-422B-970B-CDB55EF74933}" dt="2021-09-21T21:16:24.803" v="1326" actId="20577"/>
-          <ac:spMkLst>
-            <pc:docMk/>
-            <pc:sldMk cId="4090143124" sldId="281"/>
-            <ac:spMk id="21" creationId="{C9CB32B5-9808-4AC5-8EE8-551FE3E3A6B9}"/>
-          </ac:spMkLst>
-        </pc:spChg>
-        <pc:spChg chg="add mod">
-          <ac:chgData name="Cynthia Enciso" userId="7915927f-c5cf-4e1f-876d-e79882ad52fa" providerId="ADAL" clId="{8C77B812-4FE7-422B-970B-CDB55EF74933}" dt="2021-10-26T21:13:32.975" v="1424" actId="20577"/>
-          <ac:spMkLst>
-            <pc:docMk/>
-            <pc:sldMk cId="4090143124" sldId="281"/>
-            <ac:spMk id="22" creationId="{E9E28DB0-5727-4803-8366-324719CC39FB}"/>
-          </ac:spMkLst>
-        </pc:spChg>
-        <pc:spChg chg="add mod">
-          <ac:chgData name="Cynthia Enciso" userId="7915927f-c5cf-4e1f-876d-e79882ad52fa" providerId="ADAL" clId="{8C77B812-4FE7-422B-970B-CDB55EF74933}" dt="2021-09-14T19:43:35.684" v="985" actId="20577"/>
-          <ac:spMkLst>
-            <pc:docMk/>
-            <pc:sldMk cId="4090143124" sldId="281"/>
-            <ac:spMk id="27" creationId="{CE0BB554-9F9F-4465-98BC-722F2902A5BD}"/>
-          </ac:spMkLst>
-        </pc:spChg>
-        <pc:spChg chg="add mod">
-          <ac:chgData name="Cynthia Enciso" userId="7915927f-c5cf-4e1f-876d-e79882ad52fa" providerId="ADAL" clId="{8C77B812-4FE7-422B-970B-CDB55EF74933}" dt="2021-09-14T19:43:56.023" v="1002" actId="20577"/>
-          <ac:spMkLst>
-            <pc:docMk/>
-            <pc:sldMk cId="4090143124" sldId="281"/>
-            <ac:spMk id="28" creationId="{9C5A94E4-57A1-4CBD-8854-D6240A8ADF9E}"/>
-          </ac:spMkLst>
-        </pc:spChg>
-        <pc:grpChg chg="add mod">
-          <ac:chgData name="Cynthia Enciso" userId="7915927f-c5cf-4e1f-876d-e79882ad52fa" providerId="ADAL" clId="{8C77B812-4FE7-422B-970B-CDB55EF74933}" dt="2021-09-21T21:16:07.695" v="1317" actId="1076"/>
-          <ac:grpSpMkLst>
-            <pc:docMk/>
-            <pc:sldMk cId="4090143124" sldId="281"/>
-            <ac:grpSpMk id="3" creationId="{4CF1EC4A-CB9E-4E3D-97FD-773085680EC3}"/>
-          </ac:grpSpMkLst>
-        </pc:grpChg>
-        <pc:grpChg chg="add del mod">
-          <ac:chgData name="Cynthia Enciso" userId="7915927f-c5cf-4e1f-876d-e79882ad52fa" providerId="ADAL" clId="{8C77B812-4FE7-422B-970B-CDB55EF74933}" dt="2021-09-14T19:37:52.743" v="692" actId="165"/>
-          <ac:grpSpMkLst>
-            <pc:docMk/>
-            <pc:sldMk cId="4090143124" sldId="281"/>
-            <ac:grpSpMk id="11" creationId="{6A32219F-6466-4995-8AE3-4B3395D409C9}"/>
-          </ac:grpSpMkLst>
-        </pc:grpChg>
-        <pc:grpChg chg="add mod">
-          <ac:chgData name="Cynthia Enciso" userId="7915927f-c5cf-4e1f-876d-e79882ad52fa" providerId="ADAL" clId="{8C77B812-4FE7-422B-970B-CDB55EF74933}" dt="2021-09-14T19:39:55.398" v="730" actId="1076"/>
-          <ac:grpSpMkLst>
-            <pc:docMk/>
-            <pc:sldMk cId="4090143124" sldId="281"/>
-            <ac:grpSpMk id="13" creationId="{2DBE2CEF-6CB0-4625-BEEE-50F08D6FC3F2}"/>
-          </ac:grpSpMkLst>
-        </pc:grpChg>
-        <pc:grpChg chg="add mod">
-          <ac:chgData name="Cynthia Enciso" userId="7915927f-c5cf-4e1f-876d-e79882ad52fa" providerId="ADAL" clId="{8C77B812-4FE7-422B-970B-CDB55EF74933}" dt="2021-09-14T19:39:58.122" v="731" actId="1076"/>
-          <ac:grpSpMkLst>
-            <pc:docMk/>
-            <pc:sldMk cId="4090143124" sldId="281"/>
-            <ac:grpSpMk id="17" creationId="{8ABAE8CD-35C7-4988-A869-52EBD27F3162}"/>
-          </ac:grpSpMkLst>
-        </pc:grpChg>
-        <pc:cxnChg chg="add mod">
-          <ac:chgData name="Cynthia Enciso" userId="7915927f-c5cf-4e1f-876d-e79882ad52fa" providerId="ADAL" clId="{8C77B812-4FE7-422B-970B-CDB55EF74933}" dt="2021-09-21T21:16:32.837" v="1328" actId="14100"/>
-          <ac:cxnSpMkLst>
-            <pc:docMk/>
-            <pc:sldMk cId="4090143124" sldId="281"/>
-            <ac:cxnSpMk id="24" creationId="{402D10A1-8BD3-43BD-B23E-A59FEB8D1261}"/>
-          </ac:cxnSpMkLst>
-        </pc:cxnChg>
-        <pc:cxnChg chg="add mod">
-          <ac:chgData name="Cynthia Enciso" userId="7915927f-c5cf-4e1f-876d-e79882ad52fa" providerId="ADAL" clId="{8C77B812-4FE7-422B-970B-CDB55EF74933}" dt="2021-09-21T21:16:47.438" v="1331" actId="14100"/>
-          <ac:cxnSpMkLst>
-            <pc:docMk/>
-            <pc:sldMk cId="4090143124" sldId="281"/>
-            <ac:cxnSpMk id="26" creationId="{B97AD56D-65FB-4FC9-935E-5E6FE726EF6D}"/>
-          </ac:cxnSpMkLst>
-        </pc:cxnChg>
-      </pc:sldChg>
-    </pc:docChg>
-  </pc:docChgLst>
 </pc:chgInfo>
 </file>
 
@@ -32751,8 +32864,12 @@
           <a:p>
             <a:pPr algn="ctr"/>
             <a:r>
+              <a:rPr lang="en-US" b="1"/>
+              <a:t>public abstract void </a:t>
+            </a:r>
+            <a:r>
               <a:rPr lang="en-US" b="1" dirty="0"/>
-              <a:t>public void bark();</a:t>
+              <a:t>bark();</a:t>
             </a:r>
           </a:p>
         </p:txBody>
@@ -34889,7 +35006,7 @@
             </a:r>
             <a:r>
               <a:rPr lang="en-US" dirty="0"/>
-              <a:t> would not fit well into the same inheritance chain</a:t>
+              <a:t> may not fit well into the same inheritance chain</a:t>
             </a:r>
           </a:p>
         </p:txBody>
@@ -40149,16 +40266,6 @@
               <a:t>How do you use an interface? Why would you use it?</a:t>
             </a:r>
           </a:p>
-          <a:p>
-            <a:pPr marL="565150" indent="-514350">
-              <a:buFont typeface="+mj-lt"/>
-              <a:buAutoNum type="arabicPeriod"/>
-            </a:pPr>
-            <a:r>
-              <a:rPr lang="en-US" dirty="0"/>
-              <a:t>What does the phrase “coding to the interface” mean?</a:t>
-            </a:r>
-          </a:p>
         </p:txBody>
       </p:sp>
     </p:spTree>
@@ -41239,7 +41346,7 @@
             </a:r>
             <a:r>
               <a:rPr lang="en-US" sz="2000" b="1" dirty="0"/>
-              <a:t>(“I only eat a little bit!”) }</a:t>
+              <a:t>(“I only eat a little bit!”); }</a:t>
             </a:r>
           </a:p>
           <a:p>
@@ -41891,11 +41998,7 @@
             </a:r>
             <a:r>
               <a:rPr lang="en-US" dirty="0"/>
-              <a:t> reference </a:t>
-            </a:r>
-            <a:r>
-              <a:rPr lang="en-US"/>
-              <a:t>variable but assigning it to a </a:t>
+              <a:t> reference variable but assigning it to a </a:t>
             </a:r>
             <a:r>
               <a:rPr lang="en-US" b="1" dirty="0"/>
@@ -41938,10 +42041,6 @@
             <a:r>
               <a:rPr lang="en-US" b="1" dirty="0"/>
               <a:t>interfaces</a:t>
-            </a:r>
-            <a:r>
-              <a:rPr lang="en-US" dirty="0"/>
-              <a:t> (or both!)</a:t>
             </a:r>
           </a:p>
           <a:p>
@@ -44450,4 +44549,258 @@
   <a:objectDefaults/>
   <a:extraClrSchemeLst/>
 </a:theme>
+</file>
+
+<file path=customXml/item1.xml><?xml version="1.0" encoding="utf-8"?>
+<ct:contentTypeSchema xmlns:ct="http://schemas.microsoft.com/office/2006/metadata/contentType" xmlns:ma="http://schemas.microsoft.com/office/2006/metadata/properties/metaAttributes" ct:_="" ma:_="" ma:contentTypeName="Document" ma:contentTypeID="0x0101008BD2F010722D7D4D902378845F41F1B2" ma:contentTypeVersion="13" ma:contentTypeDescription="Create a new document." ma:contentTypeScope="" ma:versionID="b68d56871977609000cd171c9412956f">
+  <xsd:schema xmlns:xsd="http://www.w3.org/2001/XMLSchema" xmlns:xs="http://www.w3.org/2001/XMLSchema" xmlns:p="http://schemas.microsoft.com/office/2006/metadata/properties" xmlns:ns2="16399201-8c70-4094-bedf-0e0052933be2" xmlns:ns3="c1d1d668-1a17-41cc-8e51-02c957e8f86c" targetNamespace="http://schemas.microsoft.com/office/2006/metadata/properties" ma:root="true" ma:fieldsID="8d4e77ac156dfa649f0a05adbe1f888e" ns2:_="" ns3:_="">
+    <xsd:import namespace="16399201-8c70-4094-bedf-0e0052933be2"/>
+    <xsd:import namespace="c1d1d668-1a17-41cc-8e51-02c957e8f86c"/>
+    <xsd:element name="properties">
+      <xsd:complexType>
+        <xsd:sequence>
+          <xsd:element name="documentManagement">
+            <xsd:complexType>
+              <xsd:all>
+                <xsd:element ref="ns2:MediaServiceMetadata" minOccurs="0"/>
+                <xsd:element ref="ns2:MediaServiceFastMetadata" minOccurs="0"/>
+                <xsd:element ref="ns2:MediaServiceAutoTags" minOccurs="0"/>
+                <xsd:element ref="ns2:MediaServiceGenerationTime" minOccurs="0"/>
+                <xsd:element ref="ns2:MediaServiceEventHashCode" minOccurs="0"/>
+                <xsd:element ref="ns2:MediaServiceOCR" minOccurs="0"/>
+                <xsd:element ref="ns2:MediaServiceDateTaken" minOccurs="0"/>
+                <xsd:element ref="ns3:SharedWithUsers" minOccurs="0"/>
+                <xsd:element ref="ns3:SharedWithDetails" minOccurs="0"/>
+                <xsd:element ref="ns2:MediaServiceAutoKeyPoints" minOccurs="0"/>
+                <xsd:element ref="ns2:MediaServiceKeyPoints" minOccurs="0"/>
+                <xsd:element ref="ns2:MediaLengthInSeconds" minOccurs="0"/>
+                <xsd:element ref="ns2:Details" minOccurs="0"/>
+              </xsd:all>
+            </xsd:complexType>
+          </xsd:element>
+        </xsd:sequence>
+      </xsd:complexType>
+    </xsd:element>
+  </xsd:schema>
+  <xsd:schema xmlns:xsd="http://www.w3.org/2001/XMLSchema" xmlns:xs="http://www.w3.org/2001/XMLSchema" xmlns:dms="http://schemas.microsoft.com/office/2006/documentManagement/types" xmlns:pc="http://schemas.microsoft.com/office/infopath/2007/PartnerControls" targetNamespace="16399201-8c70-4094-bedf-0e0052933be2" elementFormDefault="qualified">
+    <xsd:import namespace="http://schemas.microsoft.com/office/2006/documentManagement/types"/>
+    <xsd:import namespace="http://schemas.microsoft.com/office/infopath/2007/PartnerControls"/>
+    <xsd:element name="MediaServiceMetadata" ma:index="8" nillable="true" ma:displayName="MediaServiceMetadata" ma:hidden="true" ma:internalName="MediaServiceMetadata" ma:readOnly="true">
+      <xsd:simpleType>
+        <xsd:restriction base="dms:Note"/>
+      </xsd:simpleType>
+    </xsd:element>
+    <xsd:element name="MediaServiceFastMetadata" ma:index="9" nillable="true" ma:displayName="MediaServiceFastMetadata" ma:hidden="true" ma:internalName="MediaServiceFastMetadata" ma:readOnly="true">
+      <xsd:simpleType>
+        <xsd:restriction base="dms:Note"/>
+      </xsd:simpleType>
+    </xsd:element>
+    <xsd:element name="MediaServiceAutoTags" ma:index="10" nillable="true" ma:displayName="Tags" ma:internalName="MediaServiceAutoTags" ma:readOnly="true">
+      <xsd:simpleType>
+        <xsd:restriction base="dms:Text"/>
+      </xsd:simpleType>
+    </xsd:element>
+    <xsd:element name="MediaServiceGenerationTime" ma:index="11" nillable="true" ma:displayName="MediaServiceGenerationTime" ma:hidden="true" ma:internalName="MediaServiceGenerationTime" ma:readOnly="true">
+      <xsd:simpleType>
+        <xsd:restriction base="dms:Text"/>
+      </xsd:simpleType>
+    </xsd:element>
+    <xsd:element name="MediaServiceEventHashCode" ma:index="12" nillable="true" ma:displayName="MediaServiceEventHashCode" ma:hidden="true" ma:internalName="MediaServiceEventHashCode" ma:readOnly="true">
+      <xsd:simpleType>
+        <xsd:restriction base="dms:Text"/>
+      </xsd:simpleType>
+    </xsd:element>
+    <xsd:element name="MediaServiceOCR" ma:index="13" nillable="true" ma:displayName="Extracted Text" ma:internalName="MediaServiceOCR" ma:readOnly="true">
+      <xsd:simpleType>
+        <xsd:restriction base="dms:Note">
+          <xsd:maxLength value="255"/>
+        </xsd:restriction>
+      </xsd:simpleType>
+    </xsd:element>
+    <xsd:element name="MediaServiceDateTaken" ma:index="14" nillable="true" ma:displayName="MediaServiceDateTaken" ma:hidden="true" ma:internalName="MediaServiceDateTaken" ma:readOnly="true">
+      <xsd:simpleType>
+        <xsd:restriction base="dms:Text"/>
+      </xsd:simpleType>
+    </xsd:element>
+    <xsd:element name="MediaServiceAutoKeyPoints" ma:index="17" nillable="true" ma:displayName="MediaServiceAutoKeyPoints" ma:hidden="true" ma:internalName="MediaServiceAutoKeyPoints" ma:readOnly="true">
+      <xsd:simpleType>
+        <xsd:restriction base="dms:Note"/>
+      </xsd:simpleType>
+    </xsd:element>
+    <xsd:element name="MediaServiceKeyPoints" ma:index="18" nillable="true" ma:displayName="KeyPoints" ma:internalName="MediaServiceKeyPoints" ma:readOnly="true">
+      <xsd:simpleType>
+        <xsd:restriction base="dms:Note">
+          <xsd:maxLength value="255"/>
+        </xsd:restriction>
+      </xsd:simpleType>
+    </xsd:element>
+    <xsd:element name="MediaLengthInSeconds" ma:index="19" nillable="true" ma:displayName="Length (seconds)" ma:internalName="MediaLengthInSeconds" ma:readOnly="true">
+      <xsd:simpleType>
+        <xsd:restriction base="dms:Unknown"/>
+      </xsd:simpleType>
+    </xsd:element>
+    <xsd:element name="Details" ma:index="20" nillable="true" ma:displayName="Details" ma:format="Dropdown" ma:internalName="Details">
+      <xsd:simpleType>
+        <xsd:restriction base="dms:Text">
+          <xsd:maxLength value="255"/>
+        </xsd:restriction>
+      </xsd:simpleType>
+    </xsd:element>
+  </xsd:schema>
+  <xsd:schema xmlns:xsd="http://www.w3.org/2001/XMLSchema" xmlns:xs="http://www.w3.org/2001/XMLSchema" xmlns:dms="http://schemas.microsoft.com/office/2006/documentManagement/types" xmlns:pc="http://schemas.microsoft.com/office/infopath/2007/PartnerControls" targetNamespace="c1d1d668-1a17-41cc-8e51-02c957e8f86c" elementFormDefault="qualified">
+    <xsd:import namespace="http://schemas.microsoft.com/office/2006/documentManagement/types"/>
+    <xsd:import namespace="http://schemas.microsoft.com/office/infopath/2007/PartnerControls"/>
+    <xsd:element name="SharedWithUsers" ma:index="15" nillable="true" ma:displayName="Shared With" ma:internalName="SharedWithUsers" ma:readOnly="true">
+      <xsd:complexType>
+        <xsd:complexContent>
+          <xsd:extension base="dms:UserMulti">
+            <xsd:sequence>
+              <xsd:element name="UserInfo" minOccurs="0" maxOccurs="unbounded">
+                <xsd:complexType>
+                  <xsd:sequence>
+                    <xsd:element name="DisplayName" type="xsd:string" minOccurs="0"/>
+                    <xsd:element name="AccountId" type="dms:UserId" minOccurs="0" nillable="true"/>
+                    <xsd:element name="AccountType" type="xsd:string" minOccurs="0"/>
+                  </xsd:sequence>
+                </xsd:complexType>
+              </xsd:element>
+            </xsd:sequence>
+          </xsd:extension>
+        </xsd:complexContent>
+      </xsd:complexType>
+    </xsd:element>
+    <xsd:element name="SharedWithDetails" ma:index="16" nillable="true" ma:displayName="Shared With Details" ma:internalName="SharedWithDetails" ma:readOnly="true">
+      <xsd:simpleType>
+        <xsd:restriction base="dms:Note">
+          <xsd:maxLength value="255"/>
+        </xsd:restriction>
+      </xsd:simpleType>
+    </xsd:element>
+  </xsd:schema>
+  <xsd:schema xmlns="http://schemas.openxmlformats.org/package/2006/metadata/core-properties" xmlns:xsd="http://www.w3.org/2001/XMLSchema" xmlns:xsi="http://www.w3.org/2001/XMLSchema-instance" xmlns:dc="http://purl.org/dc/elements/1.1/" xmlns:dcterms="http://purl.org/dc/terms/" xmlns:odoc="http://schemas.microsoft.com/internal/obd" targetNamespace="http://schemas.openxmlformats.org/package/2006/metadata/core-properties" elementFormDefault="qualified" attributeFormDefault="unqualified" blockDefault="#all">
+    <xsd:import namespace="http://purl.org/dc/elements/1.1/" schemaLocation="http://dublincore.org/schemas/xmls/qdc/2003/04/02/dc.xsd"/>
+    <xsd:import namespace="http://purl.org/dc/terms/" schemaLocation="http://dublincore.org/schemas/xmls/qdc/2003/04/02/dcterms.xsd"/>
+    <xsd:element name="coreProperties" type="CT_coreProperties"/>
+    <xsd:complexType name="CT_coreProperties">
+      <xsd:all>
+        <xsd:element ref="dc:creator" minOccurs="0" maxOccurs="1"/>
+        <xsd:element ref="dcterms:created" minOccurs="0" maxOccurs="1"/>
+        <xsd:element ref="dc:identifier" minOccurs="0" maxOccurs="1"/>
+        <xsd:element name="contentType" minOccurs="0" maxOccurs="1" type="xsd:string" ma:index="0" ma:displayName="Content Type"/>
+        <xsd:element ref="dc:title" minOccurs="0" maxOccurs="1" ma:index="4" ma:displayName="Title"/>
+        <xsd:element ref="dc:subject" minOccurs="0" maxOccurs="1"/>
+        <xsd:element ref="dc:description" minOccurs="0" maxOccurs="1"/>
+        <xsd:element name="keywords" minOccurs="0" maxOccurs="1" type="xsd:string"/>
+        <xsd:element ref="dc:language" minOccurs="0" maxOccurs="1"/>
+        <xsd:element name="category" minOccurs="0" maxOccurs="1" type="xsd:string"/>
+        <xsd:element name="version" minOccurs="0" maxOccurs="1" type="xsd:string"/>
+        <xsd:element name="revision" minOccurs="0" maxOccurs="1" type="xsd:string">
+          <xsd:annotation>
+            <xsd:documentation>
+                        This value indicates the number of saves or revisions. The application is responsible for updating this value after each revision.
+                    </xsd:documentation>
+          </xsd:annotation>
+        </xsd:element>
+        <xsd:element name="lastModifiedBy" minOccurs="0" maxOccurs="1" type="xsd:string"/>
+        <xsd:element ref="dcterms:modified" minOccurs="0" maxOccurs="1"/>
+        <xsd:element name="contentStatus" minOccurs="0" maxOccurs="1" type="xsd:string"/>
+      </xsd:all>
+    </xsd:complexType>
+  </xsd:schema>
+  <xs:schema xmlns:pc="http://schemas.microsoft.com/office/infopath/2007/PartnerControls" xmlns:xs="http://www.w3.org/2001/XMLSchema" targetNamespace="http://schemas.microsoft.com/office/infopath/2007/PartnerControls" elementFormDefault="qualified" attributeFormDefault="unqualified">
+    <xs:element name="Person">
+      <xs:complexType>
+        <xs:sequence>
+          <xs:element ref="pc:DisplayName" minOccurs="0"/>
+          <xs:element ref="pc:AccountId" minOccurs="0"/>
+          <xs:element ref="pc:AccountType" minOccurs="0"/>
+        </xs:sequence>
+      </xs:complexType>
+    </xs:element>
+    <xs:element name="DisplayName" type="xs:string"/>
+    <xs:element name="AccountId" type="xs:string"/>
+    <xs:element name="AccountType" type="xs:string"/>
+    <xs:element name="BDCAssociatedEntity">
+      <xs:complexType>
+        <xs:sequence>
+          <xs:element ref="pc:BDCEntity" minOccurs="0" maxOccurs="unbounded"/>
+        </xs:sequence>
+        <xs:attribute ref="pc:EntityNamespace"/>
+        <xs:attribute ref="pc:EntityName"/>
+        <xs:attribute ref="pc:SystemInstanceName"/>
+        <xs:attribute ref="pc:AssociationName"/>
+      </xs:complexType>
+    </xs:element>
+    <xs:attribute name="EntityNamespace" type="xs:string"/>
+    <xs:attribute name="EntityName" type="xs:string"/>
+    <xs:attribute name="SystemInstanceName" type="xs:string"/>
+    <xs:attribute name="AssociationName" type="xs:string"/>
+    <xs:element name="BDCEntity">
+      <xs:complexType>
+        <xs:sequence>
+          <xs:element ref="pc:EntityDisplayName" minOccurs="0"/>
+          <xs:element ref="pc:EntityInstanceReference" minOccurs="0"/>
+          <xs:element ref="pc:EntityId1" minOccurs="0"/>
+          <xs:element ref="pc:EntityId2" minOccurs="0"/>
+          <xs:element ref="pc:EntityId3" minOccurs="0"/>
+          <xs:element ref="pc:EntityId4" minOccurs="0"/>
+          <xs:element ref="pc:EntityId5" minOccurs="0"/>
+        </xs:sequence>
+      </xs:complexType>
+    </xs:element>
+    <xs:element name="EntityDisplayName" type="xs:string"/>
+    <xs:element name="EntityInstanceReference" type="xs:string"/>
+    <xs:element name="EntityId1" type="xs:string"/>
+    <xs:element name="EntityId2" type="xs:string"/>
+    <xs:element name="EntityId3" type="xs:string"/>
+    <xs:element name="EntityId4" type="xs:string"/>
+    <xs:element name="EntityId5" type="xs:string"/>
+    <xs:element name="Terms">
+      <xs:complexType>
+        <xs:sequence>
+          <xs:element ref="pc:TermInfo" minOccurs="0" maxOccurs="unbounded"/>
+        </xs:sequence>
+      </xs:complexType>
+    </xs:element>
+    <xs:element name="TermInfo">
+      <xs:complexType>
+        <xs:sequence>
+          <xs:element ref="pc:TermName" minOccurs="0"/>
+          <xs:element ref="pc:TermId" minOccurs="0"/>
+        </xs:sequence>
+      </xs:complexType>
+    </xs:element>
+    <xs:element name="TermName" type="xs:string"/>
+    <xs:element name="TermId" type="xs:string"/>
+  </xs:schema>
+</ct:contentTypeSchema>
+</file>
+
+<file path=customXml/item2.xml><?xml version="1.0" encoding="utf-8"?>
+<?mso-contentType ?>
+<FormTemplates xmlns="http://schemas.microsoft.com/sharepoint/v3/contenttype/forms">
+  <Display>DocumentLibraryForm</Display>
+  <Edit>DocumentLibraryForm</Edit>
+  <New>DocumentLibraryForm</New>
+</FormTemplates>
+</file>
+
+<file path=customXml/item3.xml><?xml version="1.0" encoding="utf-8"?>
+<p:properties xmlns:p="http://schemas.microsoft.com/office/2006/metadata/properties" xmlns:xsi="http://www.w3.org/2001/XMLSchema-instance" xmlns:pc="http://schemas.microsoft.com/office/infopath/2007/PartnerControls">
+  <documentManagement>
+    <Details xmlns="16399201-8c70-4094-bedf-0e0052933be2" xsi:nil="true"/>
+  </documentManagement>
+</p:properties>
+</file>
+
+<file path=customXml/itemProps1.xml><?xml version="1.0" encoding="utf-8"?>
+<ds:datastoreItem xmlns:ds="http://schemas.openxmlformats.org/officeDocument/2006/customXml" ds:itemID="{863EA6DA-0A3F-405C-BD8F-15120B383174}"/>
+</file>
+
+<file path=customXml/itemProps2.xml><?xml version="1.0" encoding="utf-8"?>
+<ds:datastoreItem xmlns:ds="http://schemas.openxmlformats.org/officeDocument/2006/customXml" ds:itemID="{1D642D63-4F46-40A9-A60F-318B4FF8C539}"/>
+</file>
+
+<file path=customXml/itemProps3.xml><?xml version="1.0" encoding="utf-8"?>
+<ds:datastoreItem xmlns:ds="http://schemas.openxmlformats.org/officeDocument/2006/customXml" ds:itemID="{05F67299-66E4-463A-A46B-D0AB846AABA4}"/>
 </file>